--- a/Globalizing Your ASP.NET 8 Presence.pptx
+++ b/Globalizing Your ASP.NET 8 Presence.pptx
@@ -21,17 +21,16 @@
     <p:sldId id="269" r:id="rId15"/>
     <p:sldId id="271" r:id="rId16"/>
     <p:sldId id="272" r:id="rId17"/>
-    <p:sldId id="273" r:id="rId18"/>
-    <p:sldId id="274" r:id="rId19"/>
-    <p:sldId id="278" r:id="rId20"/>
-    <p:sldId id="275" r:id="rId21"/>
-    <p:sldId id="276" r:id="rId22"/>
+    <p:sldId id="284" r:id="rId18"/>
+    <p:sldId id="273" r:id="rId19"/>
+    <p:sldId id="274" r:id="rId20"/>
+    <p:sldId id="278" r:id="rId21"/>
+    <p:sldId id="275" r:id="rId22"/>
     <p:sldId id="277" r:id="rId23"/>
     <p:sldId id="279" r:id="rId24"/>
     <p:sldId id="280" r:id="rId25"/>
-    <p:sldId id="281" r:id="rId26"/>
-    <p:sldId id="282" r:id="rId27"/>
-    <p:sldId id="283" r:id="rId28"/>
+    <p:sldId id="282" r:id="rId26"/>
+    <p:sldId id="283" r:id="rId27"/>
   </p:sldIdLst>
   <p:sldSz cx="12192000" cy="6858000"/>
   <p:notesSz cx="6858000" cy="9144000"/>
@@ -4421,6 +4420,466 @@
           <a:chExt cx="0" cy="0"/>
         </a:xfrm>
       </p:grpSpPr>
+      <p:sp>
+        <p:nvSpPr>
+          <p:cNvPr id="5" name="TextBox 4">
+            <a:extLst>
+              <a:ext uri="{FF2B5EF4-FFF2-40B4-BE49-F238E27FC236}">
+                <a16:creationId xmlns:a16="http://schemas.microsoft.com/office/drawing/2014/main" id="{1401166C-CE0B-2AC3-79C0-7EF8D5063C8B}"/>
+              </a:ext>
+            </a:extLst>
+          </p:cNvPr>
+          <p:cNvSpPr txBox="1"/>
+          <p:nvPr/>
+        </p:nvSpPr>
+        <p:spPr>
+          <a:xfrm>
+            <a:off x="588333" y="1705451"/>
+            <a:ext cx="11270513" cy="3447098"/>
+          </a:xfrm>
+          <a:prstGeom prst="rect">
+            <a:avLst/>
+          </a:prstGeom>
+          <a:noFill/>
+        </p:spPr>
+        <p:txBody>
+          <a:bodyPr wrap="square">
+            <a:spAutoFit/>
+          </a:bodyPr>
+          <a:lstStyle/>
+          <a:p>
+            <a:pPr marL="0" indent="0">
+              <a:buNone/>
+            </a:pPr>
+            <a:r>
+              <a:rPr lang="en-US" sz="2000" dirty="0">
+                <a:solidFill>
+                  <a:srgbClr val="569CD6"/>
+                </a:solidFill>
+                <a:latin typeface="Hack" panose="020B0609030202020204" pitchFamily="49" charset="0"/>
+                <a:ea typeface="Hack" panose="020B0609030202020204" pitchFamily="49" charset="0"/>
+                <a:cs typeface="Hack" panose="020B0609030202020204" pitchFamily="49" charset="0"/>
+              </a:rPr>
+              <a:t>public</a:t>
+            </a:r>
+            <a:r>
+              <a:rPr lang="en-US" sz="2000" dirty="0">
+                <a:solidFill>
+                  <a:srgbClr val="D4D4D4"/>
+                </a:solidFill>
+                <a:latin typeface="Hack" panose="020B0609030202020204" pitchFamily="49" charset="0"/>
+                <a:ea typeface="Hack" panose="020B0609030202020204" pitchFamily="49" charset="0"/>
+                <a:cs typeface="Hack" panose="020B0609030202020204" pitchFamily="49" charset="0"/>
+              </a:rPr>
+              <a:t> </a:t>
+            </a:r>
+            <a:r>
+              <a:rPr lang="en-US" sz="2000" dirty="0">
+                <a:solidFill>
+                  <a:srgbClr val="569CD6"/>
+                </a:solidFill>
+                <a:latin typeface="Hack" panose="020B0609030202020204" pitchFamily="49" charset="0"/>
+                <a:ea typeface="Hack" panose="020B0609030202020204" pitchFamily="49" charset="0"/>
+                <a:cs typeface="Hack" panose="020B0609030202020204" pitchFamily="49" charset="0"/>
+              </a:rPr>
+              <a:t>class</a:t>
+            </a:r>
+            <a:r>
+              <a:rPr lang="en-US" sz="2000" dirty="0">
+                <a:solidFill>
+                  <a:srgbClr val="D4D4D4"/>
+                </a:solidFill>
+                <a:latin typeface="Hack" panose="020B0609030202020204" pitchFamily="49" charset="0"/>
+                <a:ea typeface="Hack" panose="020B0609030202020204" pitchFamily="49" charset="0"/>
+                <a:cs typeface="Hack" panose="020B0609030202020204" pitchFamily="49" charset="0"/>
+              </a:rPr>
+              <a:t> </a:t>
+            </a:r>
+            <a:r>
+              <a:rPr lang="en-US" sz="2000" dirty="0" err="1">
+                <a:solidFill>
+                  <a:srgbClr val="4EC9B0"/>
+                </a:solidFill>
+                <a:latin typeface="Hack" panose="020B0609030202020204" pitchFamily="49" charset="0"/>
+                <a:ea typeface="Hack" panose="020B0609030202020204" pitchFamily="49" charset="0"/>
+                <a:cs typeface="Hack" panose="020B0609030202020204" pitchFamily="49" charset="0"/>
+              </a:rPr>
+              <a:t>HomeController</a:t>
+            </a:r>
+            <a:r>
+              <a:rPr lang="en-US" sz="2000" dirty="0">
+                <a:solidFill>
+                  <a:srgbClr val="D4D4D4"/>
+                </a:solidFill>
+                <a:latin typeface="Hack" panose="020B0609030202020204" pitchFamily="49" charset="0"/>
+                <a:ea typeface="Hack" panose="020B0609030202020204" pitchFamily="49" charset="0"/>
+                <a:cs typeface="Hack" panose="020B0609030202020204" pitchFamily="49" charset="0"/>
+              </a:rPr>
+              <a:t> : </a:t>
+            </a:r>
+            <a:r>
+              <a:rPr lang="en-US" sz="2000" dirty="0">
+                <a:solidFill>
+                  <a:srgbClr val="4EC9B0"/>
+                </a:solidFill>
+                <a:latin typeface="Hack" panose="020B0609030202020204" pitchFamily="49" charset="0"/>
+                <a:ea typeface="Hack" panose="020B0609030202020204" pitchFamily="49" charset="0"/>
+                <a:cs typeface="Hack" panose="020B0609030202020204" pitchFamily="49" charset="0"/>
+              </a:rPr>
+              <a:t>Controller</a:t>
+            </a:r>
+            <a:r>
+              <a:rPr lang="en-US" sz="2000" dirty="0">
+                <a:solidFill>
+                  <a:srgbClr val="D4D4D4"/>
+                </a:solidFill>
+                <a:latin typeface="Hack" panose="020B0609030202020204" pitchFamily="49" charset="0"/>
+                <a:ea typeface="Hack" panose="020B0609030202020204" pitchFamily="49" charset="0"/>
+                <a:cs typeface="Hack" panose="020B0609030202020204" pitchFamily="49" charset="0"/>
+              </a:rPr>
+              <a:t> </a:t>
+            </a:r>
+            <a:r>
+              <a:rPr lang="en-US" sz="2000" dirty="0">
+                <a:solidFill>
+                  <a:schemeClr val="accent6"/>
+                </a:solidFill>
+                <a:latin typeface="Hack" panose="020B0609030202020204" pitchFamily="49" charset="0"/>
+                <a:ea typeface="Hack" panose="020B0609030202020204" pitchFamily="49" charset="0"/>
+                <a:cs typeface="Hack" panose="020B0609030202020204" pitchFamily="49" charset="0"/>
+              </a:rPr>
+              <a:t>{</a:t>
+            </a:r>
+          </a:p>
+          <a:p>
+            <a:pPr marL="0" indent="0">
+              <a:buNone/>
+            </a:pPr>
+            <a:r>
+              <a:rPr lang="en-US" sz="2000" dirty="0">
+                <a:solidFill>
+                  <a:srgbClr val="569CD6"/>
+                </a:solidFill>
+                <a:latin typeface="Hack" panose="020B0609030202020204" pitchFamily="49" charset="0"/>
+                <a:ea typeface="Hack" panose="020B0609030202020204" pitchFamily="49" charset="0"/>
+                <a:cs typeface="Hack" panose="020B0609030202020204" pitchFamily="49" charset="0"/>
+              </a:rPr>
+              <a:t>	private</a:t>
+            </a:r>
+            <a:r>
+              <a:rPr lang="en-US" sz="2000" dirty="0">
+                <a:solidFill>
+                  <a:srgbClr val="D4D4D4"/>
+                </a:solidFill>
+                <a:latin typeface="Hack" panose="020B0609030202020204" pitchFamily="49" charset="0"/>
+                <a:ea typeface="Hack" panose="020B0609030202020204" pitchFamily="49" charset="0"/>
+                <a:cs typeface="Hack" panose="020B0609030202020204" pitchFamily="49" charset="0"/>
+              </a:rPr>
+              <a:t> </a:t>
+            </a:r>
+            <a:r>
+              <a:rPr lang="en-US" sz="2000" dirty="0" err="1">
+                <a:solidFill>
+                  <a:srgbClr val="569CD6"/>
+                </a:solidFill>
+                <a:latin typeface="Hack" panose="020B0609030202020204" pitchFamily="49" charset="0"/>
+                <a:ea typeface="Hack" panose="020B0609030202020204" pitchFamily="49" charset="0"/>
+                <a:cs typeface="Hack" panose="020B0609030202020204" pitchFamily="49" charset="0"/>
+              </a:rPr>
+              <a:t>readonly</a:t>
+            </a:r>
+            <a:r>
+              <a:rPr lang="en-US" sz="2000" dirty="0">
+                <a:solidFill>
+                  <a:srgbClr val="D4D4D4"/>
+                </a:solidFill>
+                <a:latin typeface="Hack" panose="020B0609030202020204" pitchFamily="49" charset="0"/>
+                <a:ea typeface="Hack" panose="020B0609030202020204" pitchFamily="49" charset="0"/>
+                <a:cs typeface="Hack" panose="020B0609030202020204" pitchFamily="49" charset="0"/>
+              </a:rPr>
+              <a:t> </a:t>
+            </a:r>
+            <a:r>
+              <a:rPr lang="en-US" sz="2000" dirty="0" err="1">
+                <a:solidFill>
+                  <a:srgbClr val="4EC9B0"/>
+                </a:solidFill>
+                <a:latin typeface="Hack" panose="020B0609030202020204" pitchFamily="49" charset="0"/>
+                <a:ea typeface="Hack" panose="020B0609030202020204" pitchFamily="49" charset="0"/>
+                <a:cs typeface="Hack" panose="020B0609030202020204" pitchFamily="49" charset="0"/>
+              </a:rPr>
+              <a:t>IHtmlStringLocalizer</a:t>
+            </a:r>
+            <a:r>
+              <a:rPr lang="en-US" sz="2000" dirty="0">
+                <a:solidFill>
+                  <a:schemeClr val="accent6"/>
+                </a:solidFill>
+                <a:latin typeface="Hack" panose="020B0609030202020204" pitchFamily="49" charset="0"/>
+                <a:ea typeface="Hack" panose="020B0609030202020204" pitchFamily="49" charset="0"/>
+                <a:cs typeface="Hack" panose="020B0609030202020204" pitchFamily="49" charset="0"/>
+              </a:rPr>
+              <a:t>&lt;</a:t>
+            </a:r>
+            <a:r>
+              <a:rPr lang="en-US" sz="2000" dirty="0" err="1">
+                <a:solidFill>
+                  <a:srgbClr val="4EC9B0"/>
+                </a:solidFill>
+                <a:latin typeface="Hack" panose="020B0609030202020204" pitchFamily="49" charset="0"/>
+                <a:ea typeface="Hack" panose="020B0609030202020204" pitchFamily="49" charset="0"/>
+                <a:cs typeface="Hack" panose="020B0609030202020204" pitchFamily="49" charset="0"/>
+              </a:rPr>
+              <a:t>HomeController</a:t>
+            </a:r>
+            <a:r>
+              <a:rPr lang="en-US" sz="2000" dirty="0">
+                <a:solidFill>
+                  <a:schemeClr val="accent6"/>
+                </a:solidFill>
+                <a:latin typeface="Hack" panose="020B0609030202020204" pitchFamily="49" charset="0"/>
+                <a:ea typeface="Hack" panose="020B0609030202020204" pitchFamily="49" charset="0"/>
+                <a:cs typeface="Hack" panose="020B0609030202020204" pitchFamily="49" charset="0"/>
+              </a:rPr>
+              <a:t>&gt; _localizer;</a:t>
+            </a:r>
+          </a:p>
+          <a:p>
+            <a:pPr marL="0" indent="0">
+              <a:buNone/>
+            </a:pPr>
+            <a:br>
+              <a:rPr lang="en-US" sz="2000" dirty="0">
+                <a:solidFill>
+                  <a:srgbClr val="D4D4D4"/>
+                </a:solidFill>
+                <a:latin typeface="Hack" panose="020B0609030202020204" pitchFamily="49" charset="0"/>
+                <a:ea typeface="Hack" panose="020B0609030202020204" pitchFamily="49" charset="0"/>
+                <a:cs typeface="Hack" panose="020B0609030202020204" pitchFamily="49" charset="0"/>
+              </a:rPr>
+            </a:br>
+            <a:r>
+              <a:rPr lang="en-US" sz="2000" dirty="0">
+                <a:solidFill>
+                  <a:srgbClr val="D4D4D4"/>
+                </a:solidFill>
+                <a:latin typeface="Hack" panose="020B0609030202020204" pitchFamily="49" charset="0"/>
+                <a:ea typeface="Hack" panose="020B0609030202020204" pitchFamily="49" charset="0"/>
+                <a:cs typeface="Hack" panose="020B0609030202020204" pitchFamily="49" charset="0"/>
+              </a:rPr>
+              <a:t>	</a:t>
+            </a:r>
+            <a:r>
+              <a:rPr lang="en-US" sz="2000" dirty="0">
+                <a:solidFill>
+                  <a:srgbClr val="569CD6"/>
+                </a:solidFill>
+                <a:latin typeface="Hack" panose="020B0609030202020204" pitchFamily="49" charset="0"/>
+                <a:ea typeface="Hack" panose="020B0609030202020204" pitchFamily="49" charset="0"/>
+                <a:cs typeface="Hack" panose="020B0609030202020204" pitchFamily="49" charset="0"/>
+              </a:rPr>
+              <a:t>public </a:t>
+            </a:r>
+            <a:r>
+              <a:rPr lang="en-US" sz="2000" dirty="0" err="1">
+                <a:solidFill>
+                  <a:srgbClr val="908E3A"/>
+                </a:solidFill>
+                <a:latin typeface="Hack" panose="020B0609030202020204" pitchFamily="49" charset="0"/>
+                <a:ea typeface="Hack" panose="020B0609030202020204" pitchFamily="49" charset="0"/>
+                <a:cs typeface="Hack" panose="020B0609030202020204" pitchFamily="49" charset="0"/>
+              </a:rPr>
+              <a:t>HomeController</a:t>
+            </a:r>
+            <a:r>
+              <a:rPr lang="en-US" sz="2000" dirty="0">
+                <a:solidFill>
+                  <a:schemeClr val="accent6"/>
+                </a:solidFill>
+                <a:latin typeface="Hack" panose="020B0609030202020204" pitchFamily="49" charset="0"/>
+                <a:ea typeface="Hack" panose="020B0609030202020204" pitchFamily="49" charset="0"/>
+                <a:cs typeface="Hack" panose="020B0609030202020204" pitchFamily="49" charset="0"/>
+              </a:rPr>
+              <a:t>(</a:t>
+            </a:r>
+          </a:p>
+          <a:p>
+            <a:pPr marL="0" indent="0">
+              <a:buNone/>
+            </a:pPr>
+            <a:r>
+              <a:rPr lang="en-US" sz="2000" dirty="0">
+                <a:solidFill>
+                  <a:srgbClr val="D4D4D4"/>
+                </a:solidFill>
+                <a:latin typeface="Hack" panose="020B0609030202020204" pitchFamily="49" charset="0"/>
+                <a:ea typeface="Hack" panose="020B0609030202020204" pitchFamily="49" charset="0"/>
+                <a:cs typeface="Hack" panose="020B0609030202020204" pitchFamily="49" charset="0"/>
+              </a:rPr>
+              <a:t>		</a:t>
+            </a:r>
+            <a:r>
+              <a:rPr lang="en-US" sz="2000" dirty="0" err="1">
+                <a:solidFill>
+                  <a:srgbClr val="4EC9B0"/>
+                </a:solidFill>
+                <a:latin typeface="Hack" panose="020B0609030202020204" pitchFamily="49" charset="0"/>
+                <a:ea typeface="Hack" panose="020B0609030202020204" pitchFamily="49" charset="0"/>
+                <a:cs typeface="Hack" panose="020B0609030202020204" pitchFamily="49" charset="0"/>
+              </a:rPr>
+              <a:t>IStringLocalizer</a:t>
+            </a:r>
+            <a:r>
+              <a:rPr lang="en-US" sz="2000" dirty="0">
+                <a:solidFill>
+                  <a:schemeClr val="accent6"/>
+                </a:solidFill>
+                <a:latin typeface="Hack" panose="020B0609030202020204" pitchFamily="49" charset="0"/>
+                <a:ea typeface="Hack" panose="020B0609030202020204" pitchFamily="49" charset="0"/>
+                <a:cs typeface="Hack" panose="020B0609030202020204" pitchFamily="49" charset="0"/>
+              </a:rPr>
+              <a:t>&lt;</a:t>
+            </a:r>
+            <a:r>
+              <a:rPr lang="en-US" sz="2000" dirty="0" err="1">
+                <a:solidFill>
+                  <a:srgbClr val="4EC9B0"/>
+                </a:solidFill>
+                <a:latin typeface="Hack" panose="020B0609030202020204" pitchFamily="49" charset="0"/>
+                <a:ea typeface="Hack" panose="020B0609030202020204" pitchFamily="49" charset="0"/>
+                <a:cs typeface="Hack" panose="020B0609030202020204" pitchFamily="49" charset="0"/>
+              </a:rPr>
+              <a:t>HomeController</a:t>
+            </a:r>
+            <a:r>
+              <a:rPr lang="en-US" sz="2000" dirty="0">
+                <a:solidFill>
+                  <a:schemeClr val="accent6"/>
+                </a:solidFill>
+                <a:latin typeface="Hack" panose="020B0609030202020204" pitchFamily="49" charset="0"/>
+                <a:ea typeface="Hack" panose="020B0609030202020204" pitchFamily="49" charset="0"/>
+                <a:cs typeface="Hack" panose="020B0609030202020204" pitchFamily="49" charset="0"/>
+              </a:rPr>
+              <a:t>&gt; localizer</a:t>
+            </a:r>
+          </a:p>
+          <a:p>
+            <a:pPr marL="0" indent="0">
+              <a:buNone/>
+            </a:pPr>
+            <a:r>
+              <a:rPr lang="en-US" sz="2000" dirty="0">
+                <a:solidFill>
+                  <a:schemeClr val="accent6"/>
+                </a:solidFill>
+                <a:latin typeface="Hack" panose="020B0609030202020204" pitchFamily="49" charset="0"/>
+                <a:ea typeface="Hack" panose="020B0609030202020204" pitchFamily="49" charset="0"/>
+                <a:cs typeface="Hack" panose="020B0609030202020204" pitchFamily="49" charset="0"/>
+              </a:rPr>
+              <a:t>		)</a:t>
+            </a:r>
+          </a:p>
+          <a:p>
+            <a:pPr marL="0" indent="0">
+              <a:buNone/>
+            </a:pPr>
+            <a:r>
+              <a:rPr lang="en-US" sz="2000" dirty="0">
+                <a:solidFill>
+                  <a:schemeClr val="accent6"/>
+                </a:solidFill>
+                <a:latin typeface="Hack" panose="020B0609030202020204" pitchFamily="49" charset="0"/>
+                <a:ea typeface="Hack" panose="020B0609030202020204" pitchFamily="49" charset="0"/>
+                <a:cs typeface="Hack" panose="020B0609030202020204" pitchFamily="49" charset="0"/>
+              </a:rPr>
+              <a:t>	{</a:t>
+            </a:r>
+          </a:p>
+          <a:p>
+            <a:pPr marL="0" indent="0">
+              <a:buNone/>
+            </a:pPr>
+            <a:r>
+              <a:rPr lang="en-US" sz="2000" dirty="0">
+                <a:solidFill>
+                  <a:srgbClr val="9CDCFE"/>
+                </a:solidFill>
+                <a:latin typeface="Hack" panose="020B0609030202020204" pitchFamily="49" charset="0"/>
+                <a:ea typeface="Hack" panose="020B0609030202020204" pitchFamily="49" charset="0"/>
+                <a:cs typeface="Hack" panose="020B0609030202020204" pitchFamily="49" charset="0"/>
+              </a:rPr>
+              <a:t>		</a:t>
+            </a:r>
+            <a:r>
+              <a:rPr lang="en-US" sz="2000" dirty="0">
+                <a:solidFill>
+                  <a:schemeClr val="accent2">
+                    <a:lumMod val="60000"/>
+                    <a:lumOff val="40000"/>
+                  </a:schemeClr>
+                </a:solidFill>
+                <a:latin typeface="Hack" panose="020B0609030202020204" pitchFamily="49" charset="0"/>
+                <a:ea typeface="Hack" panose="020B0609030202020204" pitchFamily="49" charset="0"/>
+                <a:cs typeface="Hack" panose="020B0609030202020204" pitchFamily="49" charset="0"/>
+              </a:rPr>
+              <a:t>_localizer = localizer</a:t>
+            </a:r>
+            <a:r>
+              <a:rPr lang="en-US" sz="2000" dirty="0">
+                <a:solidFill>
+                  <a:schemeClr val="accent6"/>
+                </a:solidFill>
+                <a:latin typeface="Hack" panose="020B0609030202020204" pitchFamily="49" charset="0"/>
+                <a:ea typeface="Hack" panose="020B0609030202020204" pitchFamily="49" charset="0"/>
+                <a:cs typeface="Hack" panose="020B0609030202020204" pitchFamily="49" charset="0"/>
+              </a:rPr>
+              <a:t>;</a:t>
+            </a:r>
+          </a:p>
+          <a:p>
+            <a:pPr marL="0" indent="0">
+              <a:buNone/>
+            </a:pPr>
+            <a:r>
+              <a:rPr lang="en-US" sz="2000" dirty="0">
+                <a:solidFill>
+                  <a:schemeClr val="accent6"/>
+                </a:solidFill>
+                <a:latin typeface="Hack" panose="020B0609030202020204" pitchFamily="49" charset="0"/>
+                <a:ea typeface="Hack" panose="020B0609030202020204" pitchFamily="49" charset="0"/>
+                <a:cs typeface="Hack" panose="020B0609030202020204" pitchFamily="49" charset="0"/>
+              </a:rPr>
+              <a:t>	}</a:t>
+            </a:r>
+          </a:p>
+          <a:p>
+            <a:pPr marL="0" indent="0">
+              <a:buNone/>
+            </a:pPr>
+            <a:r>
+              <a:rPr lang="en-US" sz="2000" dirty="0">
+                <a:solidFill>
+                  <a:schemeClr val="accent6"/>
+                </a:solidFill>
+                <a:latin typeface="Hack" panose="020B0609030202020204" pitchFamily="49" charset="0"/>
+                <a:ea typeface="Hack" panose="020B0609030202020204" pitchFamily="49" charset="0"/>
+                <a:cs typeface="Hack" panose="020B0609030202020204" pitchFamily="49" charset="0"/>
+              </a:rPr>
+              <a:t>}</a:t>
+            </a:r>
+          </a:p>
+          <a:p>
+            <a:pPr marL="0" indent="0">
+              <a:buNone/>
+            </a:pPr>
+            <a:endParaRPr lang="en-US" sz="1800" dirty="0">
+              <a:latin typeface="Hack" panose="020B0609030202020204" pitchFamily="49" charset="0"/>
+              <a:ea typeface="Hack" panose="020B0609030202020204" pitchFamily="49" charset="0"/>
+              <a:cs typeface="Hack" panose="020B0609030202020204" pitchFamily="49" charset="0"/>
+            </a:endParaRPr>
+          </a:p>
+        </p:txBody>
+      </p:sp>
     </p:spTree>
     <p:extLst>
       <p:ext uri="{BB962C8B-B14F-4D97-AF65-F5344CB8AC3E}">
@@ -4495,12 +4954,178 @@
             <p:ph idx="1"/>
           </p:nvPr>
         </p:nvSpPr>
-        <p:spPr/>
-        <p:txBody>
-          <a:bodyPr/>
+        <p:spPr>
+          <a:xfrm>
+            <a:off x="1638300" y="2057400"/>
+            <a:ext cx="8915402" cy="4641112"/>
+          </a:xfrm>
+        </p:spPr>
+        <p:txBody>
+          <a:bodyPr>
+            <a:normAutofit/>
+          </a:bodyPr>
           <a:lstStyle/>
           <a:p>
-            <a:endParaRPr lang="en-US"/>
+            <a:pPr marL="0" indent="0">
+              <a:buNone/>
+            </a:pPr>
+            <a:r>
+              <a:rPr lang="en-US" sz="2800" dirty="0">
+                <a:solidFill>
+                  <a:schemeClr val="accent2"/>
+                </a:solidFill>
+              </a:rPr>
+              <a:t>Resources/</a:t>
+            </a:r>
+            <a:r>
+              <a:rPr lang="en-US" sz="2800" dirty="0" err="1">
+                <a:solidFill>
+                  <a:schemeClr val="accent2"/>
+                </a:solidFill>
+              </a:rPr>
+              <a:t>Controllers.HomeController.en.resx</a:t>
+            </a:r>
+            <a:endParaRPr lang="en-US" sz="2800" dirty="0">
+              <a:solidFill>
+                <a:schemeClr val="accent2"/>
+              </a:solidFill>
+            </a:endParaRPr>
+          </a:p>
+          <a:p>
+            <a:pPr marL="0" indent="0">
+              <a:buNone/>
+            </a:pPr>
+            <a:r>
+              <a:rPr lang="en-US" sz="2800" dirty="0">
+                <a:solidFill>
+                  <a:schemeClr val="accent2"/>
+                </a:solidFill>
+              </a:rPr>
+              <a:t>Resources/</a:t>
+            </a:r>
+            <a:r>
+              <a:rPr lang="en-US" sz="2800" dirty="0" err="1">
+                <a:solidFill>
+                  <a:schemeClr val="accent2"/>
+                </a:solidFill>
+              </a:rPr>
+              <a:t>Controllers.HomeController.fr.resx</a:t>
+            </a:r>
+            <a:endParaRPr lang="en-US" sz="2800" dirty="0">
+              <a:solidFill>
+                <a:schemeClr val="accent2"/>
+              </a:solidFill>
+            </a:endParaRPr>
+          </a:p>
+          <a:p>
+            <a:pPr marL="0" indent="0">
+              <a:buNone/>
+            </a:pPr>
+            <a:r>
+              <a:rPr lang="en-US" sz="2800" dirty="0">
+                <a:solidFill>
+                  <a:schemeClr val="accent2"/>
+                </a:solidFill>
+              </a:rPr>
+              <a:t>Resources/</a:t>
+            </a:r>
+            <a:r>
+              <a:rPr lang="en-US" sz="2800" dirty="0" err="1">
+                <a:solidFill>
+                  <a:schemeClr val="accent2"/>
+                </a:solidFill>
+              </a:rPr>
+              <a:t>Controllers.HomeController.en.resx</a:t>
+            </a:r>
+            <a:endParaRPr lang="en-US" sz="2800" dirty="0">
+              <a:solidFill>
+                <a:schemeClr val="accent2"/>
+              </a:solidFill>
+            </a:endParaRPr>
+          </a:p>
+          <a:p>
+            <a:pPr marL="0" indent="0">
+              <a:buNone/>
+            </a:pPr>
+            <a:endParaRPr lang="en-US" sz="2800" dirty="0"/>
+          </a:p>
+          <a:p>
+            <a:pPr marL="0" indent="0">
+              <a:buNone/>
+            </a:pPr>
+            <a:r>
+              <a:rPr lang="en-US" sz="2800" dirty="0">
+                <a:solidFill>
+                  <a:srgbClr val="008272"/>
+                </a:solidFill>
+              </a:rPr>
+              <a:t>Resources/Controllers/</a:t>
+            </a:r>
+            <a:r>
+              <a:rPr lang="en-US" sz="2800" dirty="0" err="1">
+                <a:solidFill>
+                  <a:srgbClr val="008272"/>
+                </a:solidFill>
+              </a:rPr>
+              <a:t>HomeController.en.resx</a:t>
+            </a:r>
+            <a:endParaRPr lang="en-US" sz="2800" dirty="0">
+              <a:solidFill>
+                <a:srgbClr val="008272"/>
+              </a:solidFill>
+            </a:endParaRPr>
+          </a:p>
+          <a:p>
+            <a:pPr marL="0" indent="0">
+              <a:buNone/>
+            </a:pPr>
+            <a:r>
+              <a:rPr lang="en-US" sz="2800" dirty="0">
+                <a:solidFill>
+                  <a:srgbClr val="008272"/>
+                </a:solidFill>
+              </a:rPr>
+              <a:t>Resources/Controllers/</a:t>
+            </a:r>
+            <a:r>
+              <a:rPr lang="en-US" sz="2800" dirty="0" err="1">
+                <a:solidFill>
+                  <a:srgbClr val="008272"/>
+                </a:solidFill>
+              </a:rPr>
+              <a:t>HomeController.fr.resx</a:t>
+            </a:r>
+            <a:endParaRPr lang="en-US" sz="2800" dirty="0">
+              <a:solidFill>
+                <a:srgbClr val="008272"/>
+              </a:solidFill>
+            </a:endParaRPr>
+          </a:p>
+          <a:p>
+            <a:pPr marL="0" indent="0">
+              <a:buNone/>
+            </a:pPr>
+            <a:r>
+              <a:rPr lang="en-US" sz="2800" dirty="0">
+                <a:solidFill>
+                  <a:srgbClr val="008272"/>
+                </a:solidFill>
+              </a:rPr>
+              <a:t>Resources/Controllers/</a:t>
+            </a:r>
+            <a:r>
+              <a:rPr lang="en-US" sz="2800" dirty="0" err="1">
+                <a:solidFill>
+                  <a:srgbClr val="008272"/>
+                </a:solidFill>
+              </a:rPr>
+              <a:t>HomeController.en.resx</a:t>
+            </a:r>
+            <a:endParaRPr lang="en-US" sz="2800" dirty="0">
+              <a:solidFill>
+                <a:srgbClr val="008272"/>
+              </a:solidFill>
+            </a:endParaRPr>
           </a:p>
         </p:txBody>
       </p:sp>
@@ -5080,10 +5705,313 @@
           <a:chExt cx="0" cy="0"/>
         </a:xfrm>
       </p:grpSpPr>
+      <p:sp>
+        <p:nvSpPr>
+          <p:cNvPr id="3" name="TextBox 2">
+            <a:extLst>
+              <a:ext uri="{FF2B5EF4-FFF2-40B4-BE49-F238E27FC236}">
+                <a16:creationId xmlns:a16="http://schemas.microsoft.com/office/drawing/2014/main" id="{6440E2FA-8DC6-2F21-600D-BFA424429740}"/>
+              </a:ext>
+            </a:extLst>
+          </p:cNvPr>
+          <p:cNvSpPr txBox="1"/>
+          <p:nvPr/>
+        </p:nvSpPr>
+        <p:spPr>
+          <a:xfrm>
+            <a:off x="949841" y="2518074"/>
+            <a:ext cx="10724707" cy="2246769"/>
+          </a:xfrm>
+          <a:prstGeom prst="rect">
+            <a:avLst/>
+          </a:prstGeom>
+          <a:noFill/>
+        </p:spPr>
+        <p:txBody>
+          <a:bodyPr wrap="square">
+            <a:spAutoFit/>
+          </a:bodyPr>
+          <a:lstStyle/>
+          <a:p>
+            <a:r>
+              <a:rPr lang="en-US" sz="2800" dirty="0">
+                <a:solidFill>
+                  <a:srgbClr val="071591"/>
+                </a:solidFill>
+                <a:effectLst/>
+                <a:latin typeface="Hack" panose="020B0609030202020204" pitchFamily="49" charset="0"/>
+                <a:ea typeface="Hack" panose="020B0609030202020204" pitchFamily="49" charset="0"/>
+                <a:cs typeface="Hack" panose="020B0609030202020204" pitchFamily="49" charset="0"/>
+              </a:rPr>
+              <a:t>public </a:t>
+            </a:r>
+            <a:r>
+              <a:rPr lang="en-US" sz="2800" dirty="0" err="1">
+                <a:solidFill>
+                  <a:srgbClr val="000000"/>
+                </a:solidFill>
+                <a:effectLst/>
+                <a:latin typeface="Hack" panose="020B0609030202020204" pitchFamily="49" charset="0"/>
+                <a:ea typeface="Hack" panose="020B0609030202020204" pitchFamily="49" charset="0"/>
+                <a:cs typeface="Hack" panose="020B0609030202020204" pitchFamily="49" charset="0"/>
+              </a:rPr>
+              <a:t>IActionResult</a:t>
+            </a:r>
+            <a:r>
+              <a:rPr lang="en-US" sz="2800" dirty="0">
+                <a:solidFill>
+                  <a:srgbClr val="000000"/>
+                </a:solidFill>
+                <a:effectLst/>
+                <a:latin typeface="Hack" panose="020B0609030202020204" pitchFamily="49" charset="0"/>
+                <a:ea typeface="Hack" panose="020B0609030202020204" pitchFamily="49" charset="0"/>
+                <a:cs typeface="Hack" panose="020B0609030202020204" pitchFamily="49" charset="0"/>
+              </a:rPr>
+              <a:t> Index</a:t>
+            </a:r>
+            <a:r>
+              <a:rPr lang="en-US" sz="2800" dirty="0">
+                <a:solidFill>
+                  <a:srgbClr val="262626"/>
+                </a:solidFill>
+                <a:effectLst/>
+                <a:latin typeface="Hack" panose="020B0609030202020204" pitchFamily="49" charset="0"/>
+                <a:ea typeface="Hack" panose="020B0609030202020204" pitchFamily="49" charset="0"/>
+                <a:cs typeface="Hack" panose="020B0609030202020204" pitchFamily="49" charset="0"/>
+              </a:rPr>
+              <a:t>()</a:t>
+            </a:r>
+            <a:br>
+              <a:rPr lang="en-US" sz="2800" dirty="0">
+                <a:solidFill>
+                  <a:srgbClr val="262626"/>
+                </a:solidFill>
+                <a:effectLst/>
+                <a:latin typeface="Hack" panose="020B0609030202020204" pitchFamily="49" charset="0"/>
+                <a:ea typeface="Hack" panose="020B0609030202020204" pitchFamily="49" charset="0"/>
+                <a:cs typeface="Hack" panose="020B0609030202020204" pitchFamily="49" charset="0"/>
+              </a:rPr>
+            </a:br>
+            <a:r>
+              <a:rPr lang="en-US" sz="2800" dirty="0">
+                <a:solidFill>
+                  <a:srgbClr val="262626"/>
+                </a:solidFill>
+                <a:effectLst/>
+                <a:latin typeface="Hack" panose="020B0609030202020204" pitchFamily="49" charset="0"/>
+                <a:ea typeface="Hack" panose="020B0609030202020204" pitchFamily="49" charset="0"/>
+                <a:cs typeface="Hack" panose="020B0609030202020204" pitchFamily="49" charset="0"/>
+              </a:rPr>
+              <a:t>{</a:t>
+            </a:r>
+            <a:br>
+              <a:rPr lang="en-US" sz="2800" dirty="0">
+                <a:solidFill>
+                  <a:srgbClr val="262626"/>
+                </a:solidFill>
+                <a:effectLst/>
+                <a:latin typeface="Hack" panose="020B0609030202020204" pitchFamily="49" charset="0"/>
+                <a:ea typeface="Hack" panose="020B0609030202020204" pitchFamily="49" charset="0"/>
+                <a:cs typeface="Hack" panose="020B0609030202020204" pitchFamily="49" charset="0"/>
+              </a:rPr>
+            </a:br>
+            <a:r>
+              <a:rPr lang="en-US" sz="2800" dirty="0">
+                <a:solidFill>
+                  <a:srgbClr val="262626"/>
+                </a:solidFill>
+                <a:effectLst/>
+                <a:latin typeface="Hack" panose="020B0609030202020204" pitchFamily="49" charset="0"/>
+                <a:ea typeface="Hack" panose="020B0609030202020204" pitchFamily="49" charset="0"/>
+                <a:cs typeface="Hack" panose="020B0609030202020204" pitchFamily="49" charset="0"/>
+              </a:rPr>
+              <a:t>    </a:t>
+            </a:r>
+            <a:r>
+              <a:rPr lang="en-US" sz="2800" dirty="0" err="1">
+                <a:solidFill>
+                  <a:srgbClr val="660E7A"/>
+                </a:solidFill>
+                <a:effectLst/>
+                <a:latin typeface="Hack" panose="020B0609030202020204" pitchFamily="49" charset="0"/>
+                <a:ea typeface="Hack" panose="020B0609030202020204" pitchFamily="49" charset="0"/>
+                <a:cs typeface="Hack" panose="020B0609030202020204" pitchFamily="49" charset="0"/>
+              </a:rPr>
+              <a:t>ViewData</a:t>
+            </a:r>
+            <a:r>
+              <a:rPr lang="en-US" sz="2800" dirty="0">
+                <a:solidFill>
+                  <a:srgbClr val="262626"/>
+                </a:solidFill>
+                <a:effectLst/>
+                <a:latin typeface="Hack" panose="020B0609030202020204" pitchFamily="49" charset="0"/>
+                <a:ea typeface="Hack" panose="020B0609030202020204" pitchFamily="49" charset="0"/>
+                <a:cs typeface="Hack" panose="020B0609030202020204" pitchFamily="49" charset="0"/>
+              </a:rPr>
+              <a:t>[</a:t>
+            </a:r>
+            <a:r>
+              <a:rPr lang="en-US" sz="2800" dirty="0">
+                <a:solidFill>
+                  <a:srgbClr val="106B10"/>
+                </a:solidFill>
+                <a:effectLst/>
+                <a:latin typeface="Hack" panose="020B0609030202020204" pitchFamily="49" charset="0"/>
+                <a:ea typeface="Hack" panose="020B0609030202020204" pitchFamily="49" charset="0"/>
+                <a:cs typeface="Hack" panose="020B0609030202020204" pitchFamily="49" charset="0"/>
+              </a:rPr>
+              <a:t>"Title"</a:t>
+            </a:r>
+            <a:r>
+              <a:rPr lang="en-US" sz="2800" dirty="0">
+                <a:solidFill>
+                  <a:srgbClr val="262626"/>
+                </a:solidFill>
+                <a:effectLst/>
+                <a:latin typeface="Hack" panose="020B0609030202020204" pitchFamily="49" charset="0"/>
+                <a:ea typeface="Hack" panose="020B0609030202020204" pitchFamily="49" charset="0"/>
+                <a:cs typeface="Hack" panose="020B0609030202020204" pitchFamily="49" charset="0"/>
+              </a:rPr>
+              <a:t>] = </a:t>
+            </a:r>
+            <a:r>
+              <a:rPr lang="en-US" sz="2800" dirty="0">
+                <a:solidFill>
+                  <a:srgbClr val="660E7A"/>
+                </a:solidFill>
+                <a:effectLst/>
+                <a:latin typeface="Hack" panose="020B0609030202020204" pitchFamily="49" charset="0"/>
+                <a:ea typeface="Hack" panose="020B0609030202020204" pitchFamily="49" charset="0"/>
+                <a:cs typeface="Hack" panose="020B0609030202020204" pitchFamily="49" charset="0"/>
+              </a:rPr>
+              <a:t>_localizer</a:t>
+            </a:r>
+            <a:r>
+              <a:rPr lang="en-US" sz="2800" dirty="0">
+                <a:solidFill>
+                  <a:srgbClr val="262626"/>
+                </a:solidFill>
+                <a:effectLst/>
+                <a:latin typeface="Hack" panose="020B0609030202020204" pitchFamily="49" charset="0"/>
+                <a:ea typeface="Hack" panose="020B0609030202020204" pitchFamily="49" charset="0"/>
+                <a:cs typeface="Hack" panose="020B0609030202020204" pitchFamily="49" charset="0"/>
+              </a:rPr>
+              <a:t>[</a:t>
+            </a:r>
+            <a:r>
+              <a:rPr lang="en-US" sz="2800" dirty="0">
+                <a:solidFill>
+                  <a:srgbClr val="106B10"/>
+                </a:solidFill>
+                <a:effectLst/>
+                <a:latin typeface="Hack" panose="020B0609030202020204" pitchFamily="49" charset="0"/>
+                <a:ea typeface="Hack" panose="020B0609030202020204" pitchFamily="49" charset="0"/>
+                <a:cs typeface="Hack" panose="020B0609030202020204" pitchFamily="49" charset="0"/>
+              </a:rPr>
+              <a:t>"Title"</a:t>
+            </a:r>
+            <a:r>
+              <a:rPr lang="en-US" sz="2800" dirty="0">
+                <a:solidFill>
+                  <a:srgbClr val="262626"/>
+                </a:solidFill>
+                <a:effectLst/>
+                <a:latin typeface="Hack" panose="020B0609030202020204" pitchFamily="49" charset="0"/>
+                <a:ea typeface="Hack" panose="020B0609030202020204" pitchFamily="49" charset="0"/>
+                <a:cs typeface="Hack" panose="020B0609030202020204" pitchFamily="49" charset="0"/>
+              </a:rPr>
+              <a:t>];</a:t>
+            </a:r>
+            <a:br>
+              <a:rPr lang="en-US" sz="2800" dirty="0">
+                <a:solidFill>
+                  <a:srgbClr val="262626"/>
+                </a:solidFill>
+                <a:effectLst/>
+                <a:latin typeface="Hack" panose="020B0609030202020204" pitchFamily="49" charset="0"/>
+                <a:ea typeface="Hack" panose="020B0609030202020204" pitchFamily="49" charset="0"/>
+                <a:cs typeface="Hack" panose="020B0609030202020204" pitchFamily="49" charset="0"/>
+              </a:rPr>
+            </a:br>
+            <a:r>
+              <a:rPr lang="en-US" sz="2800" dirty="0">
+                <a:solidFill>
+                  <a:srgbClr val="262626"/>
+                </a:solidFill>
+                <a:effectLst/>
+                <a:latin typeface="Hack" panose="020B0609030202020204" pitchFamily="49" charset="0"/>
+                <a:ea typeface="Hack" panose="020B0609030202020204" pitchFamily="49" charset="0"/>
+                <a:cs typeface="Hack" panose="020B0609030202020204" pitchFamily="49" charset="0"/>
+              </a:rPr>
+              <a:t>    </a:t>
+            </a:r>
+            <a:r>
+              <a:rPr lang="en-US" sz="2800" dirty="0">
+                <a:solidFill>
+                  <a:srgbClr val="071591"/>
+                </a:solidFill>
+                <a:effectLst/>
+                <a:latin typeface="Hack" panose="020B0609030202020204" pitchFamily="49" charset="0"/>
+                <a:ea typeface="Hack" panose="020B0609030202020204" pitchFamily="49" charset="0"/>
+                <a:cs typeface="Hack" panose="020B0609030202020204" pitchFamily="49" charset="0"/>
+              </a:rPr>
+              <a:t>return </a:t>
+            </a:r>
+            <a:r>
+              <a:rPr lang="en-US" sz="2800" dirty="0">
+                <a:solidFill>
+                  <a:srgbClr val="185B9E"/>
+                </a:solidFill>
+                <a:effectLst/>
+                <a:latin typeface="Hack" panose="020B0609030202020204" pitchFamily="49" charset="0"/>
+                <a:ea typeface="Hack" panose="020B0609030202020204" pitchFamily="49" charset="0"/>
+                <a:cs typeface="Hack" panose="020B0609030202020204" pitchFamily="49" charset="0"/>
+              </a:rPr>
+              <a:t>View</a:t>
+            </a:r>
+            <a:r>
+              <a:rPr lang="en-US" sz="2800" dirty="0">
+                <a:solidFill>
+                  <a:srgbClr val="262626"/>
+                </a:solidFill>
+                <a:effectLst/>
+                <a:latin typeface="Hack" panose="020B0609030202020204" pitchFamily="49" charset="0"/>
+                <a:ea typeface="Hack" panose="020B0609030202020204" pitchFamily="49" charset="0"/>
+                <a:cs typeface="Hack" panose="020B0609030202020204" pitchFamily="49" charset="0"/>
+              </a:rPr>
+              <a:t>();</a:t>
+            </a:r>
+            <a:br>
+              <a:rPr lang="en-US" sz="2800" dirty="0">
+                <a:solidFill>
+                  <a:srgbClr val="262626"/>
+                </a:solidFill>
+                <a:effectLst/>
+                <a:latin typeface="Hack" panose="020B0609030202020204" pitchFamily="49" charset="0"/>
+                <a:ea typeface="Hack" panose="020B0609030202020204" pitchFamily="49" charset="0"/>
+                <a:cs typeface="Hack" panose="020B0609030202020204" pitchFamily="49" charset="0"/>
+              </a:rPr>
+            </a:br>
+            <a:r>
+              <a:rPr lang="en-US" sz="2800" dirty="0">
+                <a:solidFill>
+                  <a:srgbClr val="262626"/>
+                </a:solidFill>
+                <a:effectLst/>
+                <a:latin typeface="Hack" panose="020B0609030202020204" pitchFamily="49" charset="0"/>
+                <a:ea typeface="Hack" panose="020B0609030202020204" pitchFamily="49" charset="0"/>
+                <a:cs typeface="Hack" panose="020B0609030202020204" pitchFamily="49" charset="0"/>
+              </a:rPr>
+              <a:t>}</a:t>
+            </a:r>
+          </a:p>
+        </p:txBody>
+      </p:sp>
     </p:spTree>
     <p:extLst>
       <p:ext uri="{BB962C8B-B14F-4D97-AF65-F5344CB8AC3E}">
-        <p14:creationId xmlns:p14="http://schemas.microsoft.com/office/powerpoint/2010/main" val="2872087211"/>
+        <p14:creationId xmlns:p14="http://schemas.microsoft.com/office/powerpoint/2010/main" val="2467111738"/>
       </p:ext>
     </p:extLst>
   </p:cSld>
@@ -5112,6 +6040,761 @@
       </p:grpSpPr>
       <p:sp>
         <p:nvSpPr>
+          <p:cNvPr id="2" name="Content Placeholder 2">
+            <a:extLst>
+              <a:ext uri="{FF2B5EF4-FFF2-40B4-BE49-F238E27FC236}">
+                <a16:creationId xmlns:a16="http://schemas.microsoft.com/office/drawing/2014/main" id="{33ECA9D3-0391-ED3F-C174-A456E3E26EA7}"/>
+              </a:ext>
+            </a:extLst>
+          </p:cNvPr>
+          <p:cNvSpPr txBox="1">
+            <a:spLocks/>
+          </p:cNvSpPr>
+          <p:nvPr/>
+        </p:nvSpPr>
+        <p:spPr>
+          <a:xfrm>
+            <a:off x="269238" y="1214590"/>
+            <a:ext cx="11759729" cy="4764381"/>
+          </a:xfrm>
+          <a:prstGeom prst="rect">
+            <a:avLst/>
+          </a:prstGeom>
+        </p:spPr>
+        <p:txBody>
+          <a:bodyPr vert="horz" lIns="91440" tIns="45720" rIns="91440" bIns="45720" rtlCol="0" anchor="ctr"/>
+          <a:lstStyle>
+            <a:defPPr>
+              <a:defRPr lang="en-US"/>
+            </a:defPPr>
+            <a:lvl1pPr marL="0" algn="l" defTabSz="914400" rtl="0" eaLnBrk="1" latinLnBrk="0" hangingPunct="1">
+              <a:defRPr sz="800" kern="1200" cap="all" spc="100" baseline="0">
+                <a:solidFill>
+                  <a:schemeClr val="tx1"/>
+                </a:solidFill>
+                <a:latin typeface="+mn-lt"/>
+                <a:ea typeface="+mn-ea"/>
+                <a:cs typeface="+mn-cs"/>
+              </a:defRPr>
+            </a:lvl1pPr>
+            <a:lvl2pPr marL="457200" algn="l" defTabSz="914400" rtl="0" eaLnBrk="1" latinLnBrk="0" hangingPunct="1">
+              <a:defRPr sz="1800" kern="1200">
+                <a:solidFill>
+                  <a:schemeClr val="tx1"/>
+                </a:solidFill>
+                <a:latin typeface="+mn-lt"/>
+                <a:ea typeface="+mn-ea"/>
+                <a:cs typeface="+mn-cs"/>
+              </a:defRPr>
+            </a:lvl2pPr>
+            <a:lvl3pPr marL="914400" algn="l" defTabSz="914400" rtl="0" eaLnBrk="1" latinLnBrk="0" hangingPunct="1">
+              <a:defRPr sz="1800" kern="1200">
+                <a:solidFill>
+                  <a:schemeClr val="tx1"/>
+                </a:solidFill>
+                <a:latin typeface="+mn-lt"/>
+                <a:ea typeface="+mn-ea"/>
+                <a:cs typeface="+mn-cs"/>
+              </a:defRPr>
+            </a:lvl3pPr>
+            <a:lvl4pPr marL="1371600" algn="l" defTabSz="914400" rtl="0" eaLnBrk="1" latinLnBrk="0" hangingPunct="1">
+              <a:defRPr sz="1800" kern="1200">
+                <a:solidFill>
+                  <a:schemeClr val="tx1"/>
+                </a:solidFill>
+                <a:latin typeface="+mn-lt"/>
+                <a:ea typeface="+mn-ea"/>
+                <a:cs typeface="+mn-cs"/>
+              </a:defRPr>
+            </a:lvl4pPr>
+            <a:lvl5pPr marL="1828800" algn="l" defTabSz="914400" rtl="0" eaLnBrk="1" latinLnBrk="0" hangingPunct="1">
+              <a:defRPr sz="1800" kern="1200">
+                <a:solidFill>
+                  <a:schemeClr val="tx1"/>
+                </a:solidFill>
+                <a:latin typeface="+mn-lt"/>
+                <a:ea typeface="+mn-ea"/>
+                <a:cs typeface="+mn-cs"/>
+              </a:defRPr>
+            </a:lvl5pPr>
+            <a:lvl6pPr marL="2286000" algn="l" defTabSz="914400" rtl="0" eaLnBrk="1" latinLnBrk="0" hangingPunct="1">
+              <a:defRPr sz="1800" kern="1200">
+                <a:solidFill>
+                  <a:schemeClr val="tx1"/>
+                </a:solidFill>
+                <a:latin typeface="+mn-lt"/>
+                <a:ea typeface="+mn-ea"/>
+                <a:cs typeface="+mn-cs"/>
+              </a:defRPr>
+            </a:lvl6pPr>
+            <a:lvl7pPr marL="2743200" algn="l" defTabSz="914400" rtl="0" eaLnBrk="1" latinLnBrk="0" hangingPunct="1">
+              <a:defRPr sz="1800" kern="1200">
+                <a:solidFill>
+                  <a:schemeClr val="tx1"/>
+                </a:solidFill>
+                <a:latin typeface="+mn-lt"/>
+                <a:ea typeface="+mn-ea"/>
+                <a:cs typeface="+mn-cs"/>
+              </a:defRPr>
+            </a:lvl7pPr>
+            <a:lvl8pPr marL="3200400" algn="l" defTabSz="914400" rtl="0" eaLnBrk="1" latinLnBrk="0" hangingPunct="1">
+              <a:defRPr sz="1800" kern="1200">
+                <a:solidFill>
+                  <a:schemeClr val="tx1"/>
+                </a:solidFill>
+                <a:latin typeface="+mn-lt"/>
+                <a:ea typeface="+mn-ea"/>
+                <a:cs typeface="+mn-cs"/>
+              </a:defRPr>
+            </a:lvl8pPr>
+            <a:lvl9pPr marL="3657600" algn="l" defTabSz="914400" rtl="0" eaLnBrk="1" latinLnBrk="0" hangingPunct="1">
+              <a:defRPr sz="1800" kern="1200">
+                <a:solidFill>
+                  <a:schemeClr val="tx1"/>
+                </a:solidFill>
+                <a:latin typeface="+mn-lt"/>
+                <a:ea typeface="+mn-ea"/>
+                <a:cs typeface="+mn-cs"/>
+              </a:defRPr>
+            </a:lvl9pPr>
+          </a:lstStyle>
+          <a:p>
+            <a:r>
+              <a:rPr lang="en-US" sz="2800" dirty="0">
+                <a:solidFill>
+                  <a:srgbClr val="C586C0"/>
+                </a:solidFill>
+                <a:latin typeface="Hack" panose="020B0609030202020204" pitchFamily="49" charset="0"/>
+                <a:ea typeface="Hack" panose="020B0609030202020204" pitchFamily="49" charset="0"/>
+                <a:cs typeface="Hack" panose="020B0609030202020204" pitchFamily="49" charset="0"/>
+              </a:rPr>
+              <a:t>@using</a:t>
+            </a:r>
+            <a:r>
+              <a:rPr lang="en-US" sz="2800" dirty="0">
+                <a:solidFill>
+                  <a:srgbClr val="D4D4D4"/>
+                </a:solidFill>
+                <a:latin typeface="Hack" panose="020B0609030202020204" pitchFamily="49" charset="0"/>
+                <a:ea typeface="Hack" panose="020B0609030202020204" pitchFamily="49" charset="0"/>
+                <a:cs typeface="Hack" panose="020B0609030202020204" pitchFamily="49" charset="0"/>
+              </a:rPr>
+              <a:t> </a:t>
+            </a:r>
+            <a:r>
+              <a:rPr lang="en-US" sz="2800" dirty="0" err="1">
+                <a:solidFill>
+                  <a:srgbClr val="569CD6"/>
+                </a:solidFill>
+                <a:latin typeface="Hack" panose="020B0609030202020204" pitchFamily="49" charset="0"/>
+                <a:ea typeface="Hack" panose="020B0609030202020204" pitchFamily="49" charset="0"/>
+                <a:cs typeface="Hack" panose="020B0609030202020204" pitchFamily="49" charset="0"/>
+              </a:rPr>
+              <a:t>Microsoft</a:t>
+            </a:r>
+            <a:r>
+              <a:rPr lang="en-US" sz="2800" dirty="0" err="1">
+                <a:solidFill>
+                  <a:schemeClr val="accent6"/>
+                </a:solidFill>
+                <a:latin typeface="Hack" panose="020B0609030202020204" pitchFamily="49" charset="0"/>
+                <a:ea typeface="Hack" panose="020B0609030202020204" pitchFamily="49" charset="0"/>
+                <a:cs typeface="Hack" panose="020B0609030202020204" pitchFamily="49" charset="0"/>
+              </a:rPr>
+              <a:t>.</a:t>
+            </a:r>
+            <a:r>
+              <a:rPr lang="en-US" sz="2800" dirty="0" err="1">
+                <a:solidFill>
+                  <a:srgbClr val="569CD6"/>
+                </a:solidFill>
+                <a:latin typeface="Hack" panose="020B0609030202020204" pitchFamily="49" charset="0"/>
+                <a:ea typeface="Hack" panose="020B0609030202020204" pitchFamily="49" charset="0"/>
+                <a:cs typeface="Hack" panose="020B0609030202020204" pitchFamily="49" charset="0"/>
+              </a:rPr>
+              <a:t>AspNetCore</a:t>
+            </a:r>
+            <a:r>
+              <a:rPr lang="en-US" sz="2800" dirty="0" err="1">
+                <a:solidFill>
+                  <a:schemeClr val="accent6"/>
+                </a:solidFill>
+                <a:latin typeface="Hack" panose="020B0609030202020204" pitchFamily="49" charset="0"/>
+                <a:ea typeface="Hack" panose="020B0609030202020204" pitchFamily="49" charset="0"/>
+                <a:cs typeface="Hack" panose="020B0609030202020204" pitchFamily="49" charset="0"/>
+              </a:rPr>
+              <a:t>.</a:t>
+            </a:r>
+            <a:r>
+              <a:rPr lang="en-US" sz="2800" dirty="0" err="1">
+                <a:solidFill>
+                  <a:srgbClr val="569CD6"/>
+                </a:solidFill>
+                <a:latin typeface="Hack" panose="020B0609030202020204" pitchFamily="49" charset="0"/>
+                <a:ea typeface="Hack" panose="020B0609030202020204" pitchFamily="49" charset="0"/>
+                <a:cs typeface="Hack" panose="020B0609030202020204" pitchFamily="49" charset="0"/>
+              </a:rPr>
+              <a:t>Mvc</a:t>
+            </a:r>
+            <a:r>
+              <a:rPr lang="en-US" sz="2800" dirty="0" err="1">
+                <a:solidFill>
+                  <a:schemeClr val="accent6"/>
+                </a:solidFill>
+                <a:latin typeface="Hack" panose="020B0609030202020204" pitchFamily="49" charset="0"/>
+                <a:ea typeface="Hack" panose="020B0609030202020204" pitchFamily="49" charset="0"/>
+                <a:cs typeface="Hack" panose="020B0609030202020204" pitchFamily="49" charset="0"/>
+              </a:rPr>
+              <a:t>.</a:t>
+            </a:r>
+            <a:r>
+              <a:rPr lang="en-US" sz="2800" dirty="0" err="1">
+                <a:solidFill>
+                  <a:srgbClr val="569CD6"/>
+                </a:solidFill>
+                <a:latin typeface="Hack" panose="020B0609030202020204" pitchFamily="49" charset="0"/>
+                <a:ea typeface="Hack" panose="020B0609030202020204" pitchFamily="49" charset="0"/>
+                <a:cs typeface="Hack" panose="020B0609030202020204" pitchFamily="49" charset="0"/>
+              </a:rPr>
+              <a:t>Localization</a:t>
+            </a:r>
+            <a:endParaRPr lang="en-US" sz="2800" dirty="0">
+              <a:solidFill>
+                <a:srgbClr val="D4D4D4"/>
+              </a:solidFill>
+              <a:latin typeface="Hack" panose="020B0609030202020204" pitchFamily="49" charset="0"/>
+              <a:ea typeface="Hack" panose="020B0609030202020204" pitchFamily="49" charset="0"/>
+              <a:cs typeface="Hack" panose="020B0609030202020204" pitchFamily="49" charset="0"/>
+            </a:endParaRPr>
+          </a:p>
+          <a:p>
+            <a:br>
+              <a:rPr lang="en-US" sz="2800" dirty="0">
+                <a:solidFill>
+                  <a:srgbClr val="D4D4D4"/>
+                </a:solidFill>
+                <a:latin typeface="Hack" panose="020B0609030202020204" pitchFamily="49" charset="0"/>
+                <a:ea typeface="Hack" panose="020B0609030202020204" pitchFamily="49" charset="0"/>
+                <a:cs typeface="Hack" panose="020B0609030202020204" pitchFamily="49" charset="0"/>
+              </a:rPr>
+            </a:br>
+            <a:r>
+              <a:rPr lang="en-US" sz="2800" dirty="0">
+                <a:solidFill>
+                  <a:srgbClr val="C586C0"/>
+                </a:solidFill>
+                <a:latin typeface="Hack" panose="020B0609030202020204" pitchFamily="49" charset="0"/>
+                <a:ea typeface="Hack" panose="020B0609030202020204" pitchFamily="49" charset="0"/>
+                <a:cs typeface="Hack" panose="020B0609030202020204" pitchFamily="49" charset="0"/>
+              </a:rPr>
+              <a:t>@inject</a:t>
+            </a:r>
+            <a:r>
+              <a:rPr lang="en-US" sz="2800" dirty="0">
+                <a:solidFill>
+                  <a:srgbClr val="D4D4D4"/>
+                </a:solidFill>
+                <a:latin typeface="Hack" panose="020B0609030202020204" pitchFamily="49" charset="0"/>
+                <a:ea typeface="Hack" panose="020B0609030202020204" pitchFamily="49" charset="0"/>
+                <a:cs typeface="Hack" panose="020B0609030202020204" pitchFamily="49" charset="0"/>
+              </a:rPr>
+              <a:t> </a:t>
+            </a:r>
+            <a:r>
+              <a:rPr lang="en-US" sz="2800" dirty="0" err="1">
+                <a:solidFill>
+                  <a:srgbClr val="569CD6"/>
+                </a:solidFill>
+                <a:latin typeface="Hack" panose="020B0609030202020204" pitchFamily="49" charset="0"/>
+                <a:ea typeface="Hack" panose="020B0609030202020204" pitchFamily="49" charset="0"/>
+                <a:cs typeface="Hack" panose="020B0609030202020204" pitchFamily="49" charset="0"/>
+              </a:rPr>
+              <a:t>IViewLocalizer</a:t>
+            </a:r>
+            <a:r>
+              <a:rPr lang="en-US" sz="2800" dirty="0">
+                <a:solidFill>
+                  <a:srgbClr val="C586C0"/>
+                </a:solidFill>
+                <a:latin typeface="Hack" panose="020B0609030202020204" pitchFamily="49" charset="0"/>
+                <a:ea typeface="Hack" panose="020B0609030202020204" pitchFamily="49" charset="0"/>
+                <a:cs typeface="Hack" panose="020B0609030202020204" pitchFamily="49" charset="0"/>
+              </a:rPr>
+              <a:t> </a:t>
+            </a:r>
+            <a:r>
+              <a:rPr lang="en-US" sz="2800" dirty="0">
+                <a:solidFill>
+                  <a:schemeClr val="accent6"/>
+                </a:solidFill>
+                <a:latin typeface="Hack" panose="020B0609030202020204" pitchFamily="49" charset="0"/>
+                <a:ea typeface="Hack" panose="020B0609030202020204" pitchFamily="49" charset="0"/>
+                <a:cs typeface="Hack" panose="020B0609030202020204" pitchFamily="49" charset="0"/>
+              </a:rPr>
+              <a:t>Localizer</a:t>
+            </a:r>
+          </a:p>
+          <a:p>
+            <a:br>
+              <a:rPr lang="en-US" sz="2800" dirty="0">
+                <a:solidFill>
+                  <a:srgbClr val="D4D4D4"/>
+                </a:solidFill>
+                <a:latin typeface="Hack" panose="020B0609030202020204" pitchFamily="49" charset="0"/>
+                <a:ea typeface="Hack" panose="020B0609030202020204" pitchFamily="49" charset="0"/>
+                <a:cs typeface="Hack" panose="020B0609030202020204" pitchFamily="49" charset="0"/>
+              </a:rPr>
+            </a:br>
+            <a:r>
+              <a:rPr lang="en-US" sz="2800" dirty="0">
+                <a:solidFill>
+                  <a:srgbClr val="C586C0"/>
+                </a:solidFill>
+                <a:latin typeface="Hack" panose="020B0609030202020204" pitchFamily="49" charset="0"/>
+                <a:ea typeface="Hack" panose="020B0609030202020204" pitchFamily="49" charset="0"/>
+                <a:cs typeface="Hack" panose="020B0609030202020204" pitchFamily="49" charset="0"/>
+              </a:rPr>
+              <a:t>@</a:t>
+            </a:r>
+            <a:r>
+              <a:rPr lang="en-US" sz="2800" dirty="0">
+                <a:solidFill>
+                  <a:schemeClr val="accent6"/>
+                </a:solidFill>
+                <a:latin typeface="Hack" panose="020B0609030202020204" pitchFamily="49" charset="0"/>
+                <a:ea typeface="Hack" panose="020B0609030202020204" pitchFamily="49" charset="0"/>
+                <a:cs typeface="Hack" panose="020B0609030202020204" pitchFamily="49" charset="0"/>
+              </a:rPr>
+              <a:t>{</a:t>
+            </a:r>
+          </a:p>
+          <a:p>
+            <a:r>
+              <a:rPr lang="en-US" sz="2800" dirty="0">
+                <a:solidFill>
+                  <a:srgbClr val="C586C0"/>
+                </a:solidFill>
+                <a:latin typeface="Hack" panose="020B0609030202020204" pitchFamily="49" charset="0"/>
+                <a:ea typeface="Hack" panose="020B0609030202020204" pitchFamily="49" charset="0"/>
+                <a:cs typeface="Hack" panose="020B0609030202020204" pitchFamily="49" charset="0"/>
+              </a:rPr>
+              <a:t>	</a:t>
+            </a:r>
+            <a:r>
+              <a:rPr lang="en-US" sz="2800" dirty="0" err="1">
+                <a:solidFill>
+                  <a:srgbClr val="C586C0"/>
+                </a:solidFill>
+                <a:latin typeface="Hack" panose="020B0609030202020204" pitchFamily="49" charset="0"/>
+                <a:ea typeface="Hack" panose="020B0609030202020204" pitchFamily="49" charset="0"/>
+                <a:cs typeface="Hack" panose="020B0609030202020204" pitchFamily="49" charset="0"/>
+              </a:rPr>
+              <a:t>ViewData</a:t>
+            </a:r>
+            <a:r>
+              <a:rPr lang="en-US" sz="2800" dirty="0">
+                <a:solidFill>
+                  <a:schemeClr val="accent6"/>
+                </a:solidFill>
+                <a:latin typeface="Hack" panose="020B0609030202020204" pitchFamily="49" charset="0"/>
+                <a:ea typeface="Hack" panose="020B0609030202020204" pitchFamily="49" charset="0"/>
+                <a:cs typeface="Hack" panose="020B0609030202020204" pitchFamily="49" charset="0"/>
+              </a:rPr>
+              <a:t>[</a:t>
+            </a:r>
+            <a:r>
+              <a:rPr lang="pt-BR" sz="2800" dirty="0">
+                <a:solidFill>
+                  <a:srgbClr val="CE9178"/>
+                </a:solidFill>
+                <a:latin typeface="Hack" panose="020B0609030202020204" pitchFamily="49" charset="0"/>
+                <a:ea typeface="Hack" panose="020B0609030202020204" pitchFamily="49" charset="0"/>
+                <a:cs typeface="Hack" panose="020B0609030202020204" pitchFamily="49" charset="0"/>
+              </a:rPr>
+              <a:t>"</a:t>
+            </a:r>
+            <a:r>
+              <a:rPr lang="en-US" sz="2800" dirty="0">
+                <a:solidFill>
+                  <a:srgbClr val="4EC9B0"/>
+                </a:solidFill>
+                <a:latin typeface="Hack" panose="020B0609030202020204" pitchFamily="49" charset="0"/>
+                <a:ea typeface="Hack" panose="020B0609030202020204" pitchFamily="49" charset="0"/>
+                <a:cs typeface="Hack" panose="020B0609030202020204" pitchFamily="49" charset="0"/>
+              </a:rPr>
+              <a:t>Title</a:t>
+            </a:r>
+            <a:r>
+              <a:rPr lang="pt-BR" sz="2800" dirty="0">
+                <a:solidFill>
+                  <a:srgbClr val="CE9178"/>
+                </a:solidFill>
+                <a:latin typeface="Hack" panose="020B0609030202020204" pitchFamily="49" charset="0"/>
+                <a:ea typeface="Hack" panose="020B0609030202020204" pitchFamily="49" charset="0"/>
+                <a:cs typeface="Hack" panose="020B0609030202020204" pitchFamily="49" charset="0"/>
+              </a:rPr>
+              <a:t>"</a:t>
+            </a:r>
+            <a:r>
+              <a:rPr lang="en-US" sz="2800" dirty="0">
+                <a:solidFill>
+                  <a:schemeClr val="accent6"/>
+                </a:solidFill>
+                <a:latin typeface="Hack" panose="020B0609030202020204" pitchFamily="49" charset="0"/>
+                <a:ea typeface="Hack" panose="020B0609030202020204" pitchFamily="49" charset="0"/>
+                <a:cs typeface="Hack" panose="020B0609030202020204" pitchFamily="49" charset="0"/>
+              </a:rPr>
+              <a:t>] =</a:t>
+            </a:r>
+            <a:r>
+              <a:rPr lang="en-US" sz="2800" dirty="0">
+                <a:solidFill>
+                  <a:srgbClr val="D4D4D4"/>
+                </a:solidFill>
+                <a:latin typeface="Hack" panose="020B0609030202020204" pitchFamily="49" charset="0"/>
+                <a:ea typeface="Hack" panose="020B0609030202020204" pitchFamily="49" charset="0"/>
+                <a:cs typeface="Hack" panose="020B0609030202020204" pitchFamily="49" charset="0"/>
+              </a:rPr>
+              <a:t> </a:t>
+            </a:r>
+            <a:r>
+              <a:rPr lang="en-US" sz="2800" dirty="0">
+                <a:solidFill>
+                  <a:srgbClr val="C586C0"/>
+                </a:solidFill>
+                <a:latin typeface="Hack" panose="020B0609030202020204" pitchFamily="49" charset="0"/>
+                <a:ea typeface="Hack" panose="020B0609030202020204" pitchFamily="49" charset="0"/>
+                <a:cs typeface="Hack" panose="020B0609030202020204" pitchFamily="49" charset="0"/>
+              </a:rPr>
+              <a:t>Localizer</a:t>
+            </a:r>
+            <a:r>
+              <a:rPr lang="en-US" sz="2800" dirty="0">
+                <a:solidFill>
+                  <a:schemeClr val="accent6"/>
+                </a:solidFill>
+                <a:latin typeface="Hack" panose="020B0609030202020204" pitchFamily="49" charset="0"/>
+                <a:ea typeface="Hack" panose="020B0609030202020204" pitchFamily="49" charset="0"/>
+                <a:cs typeface="Hack" panose="020B0609030202020204" pitchFamily="49" charset="0"/>
+              </a:rPr>
+              <a:t>[</a:t>
+            </a:r>
+            <a:r>
+              <a:rPr lang="pt-BR" sz="2800" dirty="0">
+                <a:solidFill>
+                  <a:srgbClr val="CE9178"/>
+                </a:solidFill>
+                <a:latin typeface="Hack" panose="020B0609030202020204" pitchFamily="49" charset="0"/>
+                <a:ea typeface="Hack" panose="020B0609030202020204" pitchFamily="49" charset="0"/>
+                <a:cs typeface="Hack" panose="020B0609030202020204" pitchFamily="49" charset="0"/>
+              </a:rPr>
+              <a:t>"</a:t>
+            </a:r>
+            <a:r>
+              <a:rPr lang="en-US" sz="2800" dirty="0" err="1">
+                <a:solidFill>
+                  <a:srgbClr val="4EC9B0"/>
+                </a:solidFill>
+                <a:latin typeface="Hack" panose="020B0609030202020204" pitchFamily="49" charset="0"/>
+                <a:ea typeface="Hack" panose="020B0609030202020204" pitchFamily="49" charset="0"/>
+                <a:cs typeface="Hack" panose="020B0609030202020204" pitchFamily="49" charset="0"/>
+              </a:rPr>
+              <a:t>HomeTitle</a:t>
+            </a:r>
+            <a:r>
+              <a:rPr lang="pt-BR" sz="2800" dirty="0">
+                <a:solidFill>
+                  <a:srgbClr val="CE9178"/>
+                </a:solidFill>
+                <a:latin typeface="Hack" panose="020B0609030202020204" pitchFamily="49" charset="0"/>
+                <a:ea typeface="Hack" panose="020B0609030202020204" pitchFamily="49" charset="0"/>
+                <a:cs typeface="Hack" panose="020B0609030202020204" pitchFamily="49" charset="0"/>
+              </a:rPr>
+              <a:t>"</a:t>
+            </a:r>
+            <a:r>
+              <a:rPr lang="en-US" sz="2800" dirty="0">
+                <a:solidFill>
+                  <a:schemeClr val="accent6"/>
+                </a:solidFill>
+                <a:latin typeface="Hack" panose="020B0609030202020204" pitchFamily="49" charset="0"/>
+                <a:ea typeface="Hack" panose="020B0609030202020204" pitchFamily="49" charset="0"/>
+                <a:cs typeface="Hack" panose="020B0609030202020204" pitchFamily="49" charset="0"/>
+              </a:rPr>
+              <a:t>];</a:t>
+            </a:r>
+          </a:p>
+          <a:p>
+            <a:r>
+              <a:rPr lang="en-US" sz="2800" dirty="0">
+                <a:solidFill>
+                  <a:schemeClr val="accent6"/>
+                </a:solidFill>
+                <a:latin typeface="Hack" panose="020B0609030202020204" pitchFamily="49" charset="0"/>
+                <a:ea typeface="Hack" panose="020B0609030202020204" pitchFamily="49" charset="0"/>
+                <a:cs typeface="Hack" panose="020B0609030202020204" pitchFamily="49" charset="0"/>
+              </a:rPr>
+              <a:t>}</a:t>
+            </a:r>
+          </a:p>
+          <a:p>
+            <a:r>
+              <a:rPr lang="pt-BR" sz="2800" dirty="0">
+                <a:solidFill>
+                  <a:srgbClr val="808080"/>
+                </a:solidFill>
+                <a:latin typeface="Hack" panose="020B0609030202020204" pitchFamily="49" charset="0"/>
+                <a:ea typeface="Hack" panose="020B0609030202020204" pitchFamily="49" charset="0"/>
+                <a:cs typeface="Hack" panose="020B0609030202020204" pitchFamily="49" charset="0"/>
+              </a:rPr>
+              <a:t>&lt;</a:t>
+            </a:r>
+            <a:r>
+              <a:rPr lang="pt-BR" sz="2800" dirty="0">
+                <a:solidFill>
+                  <a:srgbClr val="569CD6"/>
+                </a:solidFill>
+                <a:latin typeface="Hack" panose="020B0609030202020204" pitchFamily="49" charset="0"/>
+                <a:ea typeface="Hack" panose="020B0609030202020204" pitchFamily="49" charset="0"/>
+                <a:cs typeface="Hack" panose="020B0609030202020204" pitchFamily="49" charset="0"/>
+              </a:rPr>
+              <a:t>h1</a:t>
+            </a:r>
+            <a:r>
+              <a:rPr lang="pt-BR" sz="2800" dirty="0">
+                <a:solidFill>
+                  <a:srgbClr val="D4D4D4"/>
+                </a:solidFill>
+                <a:latin typeface="Hack" panose="020B0609030202020204" pitchFamily="49" charset="0"/>
+                <a:ea typeface="Hack" panose="020B0609030202020204" pitchFamily="49" charset="0"/>
+                <a:cs typeface="Hack" panose="020B0609030202020204" pitchFamily="49" charset="0"/>
+              </a:rPr>
+              <a:t> </a:t>
+            </a:r>
+            <a:r>
+              <a:rPr lang="pt-BR" sz="2800" dirty="0" err="1">
+                <a:solidFill>
+                  <a:schemeClr val="accent2">
+                    <a:lumMod val="60000"/>
+                    <a:lumOff val="40000"/>
+                  </a:schemeClr>
+                </a:solidFill>
+                <a:latin typeface="Hack" panose="020B0609030202020204" pitchFamily="49" charset="0"/>
+                <a:ea typeface="Hack" panose="020B0609030202020204" pitchFamily="49" charset="0"/>
+                <a:cs typeface="Hack" panose="020B0609030202020204" pitchFamily="49" charset="0"/>
+              </a:rPr>
+              <a:t>class</a:t>
+            </a:r>
+            <a:r>
+              <a:rPr lang="pt-BR" sz="2800" dirty="0">
+                <a:solidFill>
+                  <a:schemeClr val="accent6"/>
+                </a:solidFill>
+                <a:latin typeface="Hack" panose="020B0609030202020204" pitchFamily="49" charset="0"/>
+                <a:ea typeface="Hack" panose="020B0609030202020204" pitchFamily="49" charset="0"/>
+                <a:cs typeface="Hack" panose="020B0609030202020204" pitchFamily="49" charset="0"/>
+              </a:rPr>
+              <a:t>=</a:t>
+            </a:r>
+            <a:r>
+              <a:rPr lang="pt-BR" sz="2800" dirty="0">
+                <a:solidFill>
+                  <a:srgbClr val="CE9178"/>
+                </a:solidFill>
+                <a:latin typeface="Hack" panose="020B0609030202020204" pitchFamily="49" charset="0"/>
+                <a:ea typeface="Hack" panose="020B0609030202020204" pitchFamily="49" charset="0"/>
+                <a:cs typeface="Hack" panose="020B0609030202020204" pitchFamily="49" charset="0"/>
+              </a:rPr>
+              <a:t>"</a:t>
+            </a:r>
+            <a:r>
+              <a:rPr lang="pt-BR" sz="2800" dirty="0" err="1">
+                <a:solidFill>
+                  <a:srgbClr val="CE9178"/>
+                </a:solidFill>
+                <a:latin typeface="Hack" panose="020B0609030202020204" pitchFamily="49" charset="0"/>
+                <a:ea typeface="Hack" panose="020B0609030202020204" pitchFamily="49" charset="0"/>
+                <a:cs typeface="Hack" panose="020B0609030202020204" pitchFamily="49" charset="0"/>
+              </a:rPr>
+              <a:t>page</a:t>
+            </a:r>
+            <a:r>
+              <a:rPr lang="pt-BR" sz="2800" dirty="0">
+                <a:solidFill>
+                  <a:srgbClr val="CE9178"/>
+                </a:solidFill>
+                <a:latin typeface="Hack" panose="020B0609030202020204" pitchFamily="49" charset="0"/>
+                <a:ea typeface="Hack" panose="020B0609030202020204" pitchFamily="49" charset="0"/>
+                <a:cs typeface="Hack" panose="020B0609030202020204" pitchFamily="49" charset="0"/>
+              </a:rPr>
+              <a:t>-header"</a:t>
+            </a:r>
+            <a:r>
+              <a:rPr lang="pt-BR" sz="2800" dirty="0">
+                <a:solidFill>
+                  <a:srgbClr val="808080"/>
+                </a:solidFill>
+                <a:latin typeface="Hack" panose="020B0609030202020204" pitchFamily="49" charset="0"/>
+                <a:ea typeface="Hack" panose="020B0609030202020204" pitchFamily="49" charset="0"/>
+                <a:cs typeface="Hack" panose="020B0609030202020204" pitchFamily="49" charset="0"/>
+              </a:rPr>
+              <a:t>&gt;</a:t>
+            </a:r>
+            <a:r>
+              <a:rPr lang="pt-BR" sz="2800" dirty="0">
+                <a:solidFill>
+                  <a:srgbClr val="C586C0"/>
+                </a:solidFill>
+                <a:latin typeface="Hack" panose="020B0609030202020204" pitchFamily="49" charset="0"/>
+                <a:ea typeface="Hack" panose="020B0609030202020204" pitchFamily="49" charset="0"/>
+                <a:cs typeface="Hack" panose="020B0609030202020204" pitchFamily="49" charset="0"/>
+              </a:rPr>
+              <a:t>@</a:t>
+            </a:r>
+            <a:r>
+              <a:rPr lang="pt-BR" sz="2800" dirty="0" err="1">
+                <a:solidFill>
+                  <a:srgbClr val="C586C0"/>
+                </a:solidFill>
+                <a:latin typeface="Hack" panose="020B0609030202020204" pitchFamily="49" charset="0"/>
+                <a:ea typeface="Hack" panose="020B0609030202020204" pitchFamily="49" charset="0"/>
+                <a:cs typeface="Hack" panose="020B0609030202020204" pitchFamily="49" charset="0"/>
+              </a:rPr>
+              <a:t>ViewData</a:t>
+            </a:r>
+            <a:r>
+              <a:rPr lang="pt-BR" sz="2800" dirty="0">
+                <a:solidFill>
+                  <a:schemeClr val="accent6"/>
+                </a:solidFill>
+                <a:latin typeface="Hack" panose="020B0609030202020204" pitchFamily="49" charset="0"/>
+                <a:ea typeface="Hack" panose="020B0609030202020204" pitchFamily="49" charset="0"/>
+                <a:cs typeface="Hack" panose="020B0609030202020204" pitchFamily="49" charset="0"/>
+              </a:rPr>
+              <a:t>[</a:t>
+            </a:r>
+            <a:r>
+              <a:rPr lang="pt-BR" sz="2800" dirty="0">
+                <a:solidFill>
+                  <a:srgbClr val="CE9178"/>
+                </a:solidFill>
+                <a:latin typeface="Hack" panose="020B0609030202020204" pitchFamily="49" charset="0"/>
+                <a:ea typeface="Hack" panose="020B0609030202020204" pitchFamily="49" charset="0"/>
+                <a:cs typeface="Hack" panose="020B0609030202020204" pitchFamily="49" charset="0"/>
+              </a:rPr>
+              <a:t>"</a:t>
+            </a:r>
+            <a:r>
+              <a:rPr lang="en-US" sz="2800" dirty="0" err="1">
+                <a:solidFill>
+                  <a:srgbClr val="4EC9B0"/>
+                </a:solidFill>
+                <a:latin typeface="Hack" panose="020B0609030202020204" pitchFamily="49" charset="0"/>
+                <a:ea typeface="Hack" panose="020B0609030202020204" pitchFamily="49" charset="0"/>
+                <a:cs typeface="Hack" panose="020B0609030202020204" pitchFamily="49" charset="0"/>
+              </a:rPr>
+              <a:t>HomeTitle</a:t>
+            </a:r>
+            <a:r>
+              <a:rPr lang="pt-BR" sz="2800" dirty="0">
+                <a:solidFill>
+                  <a:srgbClr val="CE9178"/>
+                </a:solidFill>
+                <a:latin typeface="Hack" panose="020B0609030202020204" pitchFamily="49" charset="0"/>
+                <a:ea typeface="Hack" panose="020B0609030202020204" pitchFamily="49" charset="0"/>
+                <a:cs typeface="Hack" panose="020B0609030202020204" pitchFamily="49" charset="0"/>
+              </a:rPr>
+              <a:t>"</a:t>
+            </a:r>
+            <a:r>
+              <a:rPr lang="pt-BR" sz="2800" dirty="0">
+                <a:solidFill>
+                  <a:schemeClr val="accent6"/>
+                </a:solidFill>
+                <a:latin typeface="Hack" panose="020B0609030202020204" pitchFamily="49" charset="0"/>
+                <a:ea typeface="Hack" panose="020B0609030202020204" pitchFamily="49" charset="0"/>
+                <a:cs typeface="Hack" panose="020B0609030202020204" pitchFamily="49" charset="0"/>
+              </a:rPr>
+              <a:t>]</a:t>
+            </a:r>
+          </a:p>
+          <a:p>
+            <a:r>
+              <a:rPr lang="pt-BR" sz="2800" dirty="0">
+                <a:solidFill>
+                  <a:srgbClr val="808080"/>
+                </a:solidFill>
+                <a:latin typeface="Hack" panose="020B0609030202020204" pitchFamily="49" charset="0"/>
+                <a:ea typeface="Hack" panose="020B0609030202020204" pitchFamily="49" charset="0"/>
+                <a:cs typeface="Hack" panose="020B0609030202020204" pitchFamily="49" charset="0"/>
+              </a:rPr>
+              <a:t>&lt;/</a:t>
+            </a:r>
+            <a:r>
+              <a:rPr lang="pt-BR" sz="2800" dirty="0">
+                <a:solidFill>
+                  <a:srgbClr val="569CD6"/>
+                </a:solidFill>
+                <a:latin typeface="Hack" panose="020B0609030202020204" pitchFamily="49" charset="0"/>
+                <a:ea typeface="Hack" panose="020B0609030202020204" pitchFamily="49" charset="0"/>
+                <a:cs typeface="Hack" panose="020B0609030202020204" pitchFamily="49" charset="0"/>
+              </a:rPr>
+              <a:t>h1</a:t>
+            </a:r>
+            <a:r>
+              <a:rPr lang="pt-BR" sz="2800" dirty="0">
+                <a:solidFill>
+                  <a:srgbClr val="808080"/>
+                </a:solidFill>
+                <a:latin typeface="Hack" panose="020B0609030202020204" pitchFamily="49" charset="0"/>
+                <a:ea typeface="Hack" panose="020B0609030202020204" pitchFamily="49" charset="0"/>
+                <a:cs typeface="Hack" panose="020B0609030202020204" pitchFamily="49" charset="0"/>
+              </a:rPr>
+              <a:t>&gt;</a:t>
+            </a:r>
+            <a:endParaRPr lang="pt-BR" sz="2800" dirty="0">
+              <a:solidFill>
+                <a:srgbClr val="D4D4D4"/>
+              </a:solidFill>
+              <a:latin typeface="Hack" panose="020B0609030202020204" pitchFamily="49" charset="0"/>
+              <a:ea typeface="Hack" panose="020B0609030202020204" pitchFamily="49" charset="0"/>
+              <a:cs typeface="Hack" panose="020B0609030202020204" pitchFamily="49" charset="0"/>
+            </a:endParaRPr>
+          </a:p>
+        </p:txBody>
+      </p:sp>
+    </p:spTree>
+    <p:extLst>
+      <p:ext uri="{BB962C8B-B14F-4D97-AF65-F5344CB8AC3E}">
+        <p14:creationId xmlns:p14="http://schemas.microsoft.com/office/powerpoint/2010/main" val="2872087211"/>
+      </p:ext>
+    </p:extLst>
+  </p:cSld>
+  <p:clrMapOvr>
+    <a:masterClrMapping/>
+  </p:clrMapOvr>
+</p:sld>
+</file>
+
+<file path=ppt/slides/slide19.xml><?xml version="1.0" encoding="utf-8"?>
+<p:sld xmlns:a="http://schemas.openxmlformats.org/drawingml/2006/main" xmlns:r="http://schemas.openxmlformats.org/officeDocument/2006/relationships" xmlns:p="http://schemas.openxmlformats.org/presentationml/2006/main">
+  <p:cSld>
+    <p:spTree>
+      <p:nvGrpSpPr>
+        <p:cNvPr id="1" name=""/>
+        <p:cNvGrpSpPr/>
+        <p:nvPr/>
+      </p:nvGrpSpPr>
+      <p:grpSpPr>
+        <a:xfrm>
+          <a:off x="0" y="0"/>
+          <a:ext cx="0" cy="0"/>
+          <a:chOff x="0" y="0"/>
+          <a:chExt cx="0" cy="0"/>
+        </a:xfrm>
+      </p:grpSpPr>
+      <p:sp>
+        <p:nvSpPr>
           <p:cNvPr id="2" name="Title 1">
             <a:extLst>
               <a:ext uri="{FF2B5EF4-FFF2-40B4-BE49-F238E27FC236}">
@@ -5156,10 +6839,171 @@
         </p:nvSpPr>
         <p:spPr/>
         <p:txBody>
-          <a:bodyPr/>
+          <a:bodyPr>
+            <a:noAutofit/>
+          </a:bodyPr>
           <a:lstStyle/>
           <a:p>
-            <a:endParaRPr lang="en-US"/>
+            <a:pPr marL="0" indent="0">
+              <a:buNone/>
+            </a:pPr>
+            <a:r>
+              <a:rPr lang="en-US" sz="2800" dirty="0">
+                <a:solidFill>
+                  <a:srgbClr val="0078D7"/>
+                </a:solidFill>
+              </a:rPr>
+              <a:t>Resources/</a:t>
+            </a:r>
+            <a:r>
+              <a:rPr lang="en-US" sz="2800" dirty="0" err="1">
+                <a:solidFill>
+                  <a:srgbClr val="0078D7"/>
+                </a:solidFill>
+              </a:rPr>
+              <a:t>Views.Home.Index.en.resx</a:t>
+            </a:r>
+            <a:endParaRPr lang="en-US" sz="2800" dirty="0">
+              <a:solidFill>
+                <a:srgbClr val="0078D7"/>
+              </a:solidFill>
+            </a:endParaRPr>
+          </a:p>
+          <a:p>
+            <a:pPr marL="0" indent="0">
+              <a:buNone/>
+            </a:pPr>
+            <a:r>
+              <a:rPr lang="en-US" sz="2800" dirty="0">
+                <a:solidFill>
+                  <a:srgbClr val="0078D7"/>
+                </a:solidFill>
+              </a:rPr>
+              <a:t>Resources/</a:t>
+            </a:r>
+            <a:r>
+              <a:rPr lang="en-US" sz="2800" dirty="0" err="1">
+                <a:solidFill>
+                  <a:srgbClr val="0078D7"/>
+                </a:solidFill>
+              </a:rPr>
+              <a:t>Views.Home.Index.fr.resx</a:t>
+            </a:r>
+            <a:endParaRPr lang="en-US" sz="2800" dirty="0">
+              <a:solidFill>
+                <a:srgbClr val="0078D7"/>
+              </a:solidFill>
+            </a:endParaRPr>
+          </a:p>
+          <a:p>
+            <a:pPr marL="0" indent="0">
+              <a:buNone/>
+            </a:pPr>
+            <a:r>
+              <a:rPr lang="en-US" sz="2800" dirty="0">
+                <a:solidFill>
+                  <a:srgbClr val="0078D7"/>
+                </a:solidFill>
+              </a:rPr>
+              <a:t>Resources/</a:t>
+            </a:r>
+            <a:r>
+              <a:rPr lang="en-US" sz="2800" dirty="0" err="1">
+                <a:solidFill>
+                  <a:srgbClr val="0078D7"/>
+                </a:solidFill>
+              </a:rPr>
+              <a:t>Views.Home.Index.en.resx</a:t>
+            </a:r>
+            <a:endParaRPr lang="en-US" sz="2800" dirty="0">
+              <a:solidFill>
+                <a:srgbClr val="0078D7"/>
+              </a:solidFill>
+            </a:endParaRPr>
+          </a:p>
+          <a:p>
+            <a:pPr marL="0" indent="0">
+              <a:buNone/>
+            </a:pPr>
+            <a:endParaRPr lang="en-US" sz="2800" dirty="0"/>
+          </a:p>
+          <a:p>
+            <a:pPr marL="0" indent="0">
+              <a:buNone/>
+            </a:pPr>
+            <a:r>
+              <a:rPr lang="en-US" sz="2800" dirty="0">
+                <a:solidFill>
+                  <a:srgbClr val="008272"/>
+                </a:solidFill>
+              </a:rPr>
+              <a:t>Resources/Views/Home/</a:t>
+            </a:r>
+            <a:r>
+              <a:rPr lang="en-US" sz="2800" dirty="0" err="1">
+                <a:solidFill>
+                  <a:srgbClr val="008272"/>
+                </a:solidFill>
+              </a:rPr>
+              <a:t>Index.en.resx</a:t>
+            </a:r>
+            <a:endParaRPr lang="en-US" sz="2800" dirty="0">
+              <a:solidFill>
+                <a:srgbClr val="008272"/>
+              </a:solidFill>
+            </a:endParaRPr>
+          </a:p>
+          <a:p>
+            <a:pPr marL="0" indent="0">
+              <a:buNone/>
+            </a:pPr>
+            <a:r>
+              <a:rPr lang="en-US" sz="2800" dirty="0">
+                <a:solidFill>
+                  <a:srgbClr val="008272"/>
+                </a:solidFill>
+              </a:rPr>
+              <a:t>Resources/Views/Home/</a:t>
+            </a:r>
+            <a:r>
+              <a:rPr lang="en-US" sz="2800" dirty="0" err="1">
+                <a:solidFill>
+                  <a:srgbClr val="008272"/>
+                </a:solidFill>
+              </a:rPr>
+              <a:t>Index.fr.resx</a:t>
+            </a:r>
+            <a:endParaRPr lang="en-US" sz="2800" dirty="0">
+              <a:solidFill>
+                <a:srgbClr val="008272"/>
+              </a:solidFill>
+            </a:endParaRPr>
+          </a:p>
+          <a:p>
+            <a:pPr marL="0" indent="0">
+              <a:buNone/>
+            </a:pPr>
+            <a:r>
+              <a:rPr lang="en-US" sz="2800" dirty="0">
+                <a:solidFill>
+                  <a:srgbClr val="008272"/>
+                </a:solidFill>
+              </a:rPr>
+              <a:t>Resources/Views/Home/</a:t>
+            </a:r>
+            <a:r>
+              <a:rPr lang="en-US" sz="2800" dirty="0" err="1">
+                <a:solidFill>
+                  <a:srgbClr val="008272"/>
+                </a:solidFill>
+              </a:rPr>
+              <a:t>Index.en.resx</a:t>
+            </a:r>
+            <a:endParaRPr lang="en-US" sz="2800" dirty="0">
+              <a:solidFill>
+                <a:srgbClr val="008272"/>
+              </a:solidFill>
+            </a:endParaRPr>
           </a:p>
         </p:txBody>
       </p:sp>
@@ -5176,7 +7020,137 @@
 </p:sld>
 </file>
 
-<file path=ppt/slides/slide19.xml><?xml version="1.0" encoding="utf-8"?>
+<file path=ppt/slides/slide2.xml><?xml version="1.0" encoding="utf-8"?>
+<p:sld xmlns:a="http://schemas.openxmlformats.org/drawingml/2006/main" xmlns:r="http://schemas.openxmlformats.org/officeDocument/2006/relationships" xmlns:p="http://schemas.openxmlformats.org/presentationml/2006/main">
+  <p:cSld>
+    <p:spTree>
+      <p:nvGrpSpPr>
+        <p:cNvPr id="1" name=""/>
+        <p:cNvGrpSpPr/>
+        <p:nvPr/>
+      </p:nvGrpSpPr>
+      <p:grpSpPr>
+        <a:xfrm>
+          <a:off x="0" y="0"/>
+          <a:ext cx="0" cy="0"/>
+          <a:chOff x="0" y="0"/>
+          <a:chExt cx="0" cy="0"/>
+        </a:xfrm>
+      </p:grpSpPr>
+      <p:sp>
+        <p:nvSpPr>
+          <p:cNvPr id="2" name="Title 1">
+            <a:extLst>
+              <a:ext uri="{FF2B5EF4-FFF2-40B4-BE49-F238E27FC236}">
+                <a16:creationId xmlns:a16="http://schemas.microsoft.com/office/drawing/2014/main" id="{D58C4497-F3C0-62EB-C34D-2F4494A7296F}"/>
+              </a:ext>
+            </a:extLst>
+          </p:cNvPr>
+          <p:cNvSpPr>
+            <a:spLocks noGrp="1"/>
+          </p:cNvSpPr>
+          <p:nvPr>
+            <p:ph type="title"/>
+          </p:nvPr>
+        </p:nvSpPr>
+        <p:spPr/>
+        <p:txBody>
+          <a:bodyPr/>
+          <a:lstStyle/>
+          <a:p>
+            <a:r>
+              <a:rPr lang="en-US" dirty="0"/>
+              <a:t>Agenda</a:t>
+            </a:r>
+          </a:p>
+        </p:txBody>
+      </p:sp>
+      <p:sp>
+        <p:nvSpPr>
+          <p:cNvPr id="3" name="Content Placeholder 2">
+            <a:extLst>
+              <a:ext uri="{FF2B5EF4-FFF2-40B4-BE49-F238E27FC236}">
+                <a16:creationId xmlns:a16="http://schemas.microsoft.com/office/drawing/2014/main" id="{CEE598F8-1EB6-B247-DAC8-1D21AF605A90}"/>
+              </a:ext>
+            </a:extLst>
+          </p:cNvPr>
+          <p:cNvSpPr>
+            <a:spLocks noGrp="1"/>
+          </p:cNvSpPr>
+          <p:nvPr>
+            <p:ph idx="1"/>
+          </p:nvPr>
+        </p:nvSpPr>
+        <p:spPr/>
+        <p:txBody>
+          <a:bodyPr>
+            <a:normAutofit/>
+          </a:bodyPr>
+          <a:lstStyle/>
+          <a:p>
+            <a:r>
+              <a:rPr lang="en-US" dirty="0"/>
+              <a:t>Overview</a:t>
+            </a:r>
+          </a:p>
+          <a:p>
+            <a:r>
+              <a:rPr lang="en-US" dirty="0"/>
+              <a:t>Globalizing ASP.NET Core MVC Projects</a:t>
+            </a:r>
+          </a:p>
+          <a:p>
+            <a:r>
+              <a:rPr lang="en-US" dirty="0"/>
+              <a:t>Resource Files</a:t>
+            </a:r>
+          </a:p>
+          <a:p>
+            <a:r>
+              <a:rPr lang="en-US" dirty="0"/>
+              <a:t>Localizing ASP.NET Core MVC Projects</a:t>
+            </a:r>
+          </a:p>
+          <a:p>
+            <a:r>
+              <a:rPr lang="en-US" dirty="0"/>
+              <a:t>User Selectable Culture w/ Cookies</a:t>
+            </a:r>
+          </a:p>
+          <a:p>
+            <a:r>
+              <a:rPr lang="en-US" dirty="0"/>
+              <a:t>Data Annotations</a:t>
+            </a:r>
+          </a:p>
+          <a:p>
+            <a:r>
+              <a:rPr lang="en-US" dirty="0"/>
+              <a:t>Custom Providers</a:t>
+            </a:r>
+          </a:p>
+          <a:p>
+            <a:r>
+              <a:rPr lang="en-US" dirty="0"/>
+              <a:t>Custom Localizers</a:t>
+            </a:r>
+          </a:p>
+        </p:txBody>
+      </p:sp>
+    </p:spTree>
+    <p:extLst>
+      <p:ext uri="{BB962C8B-B14F-4D97-AF65-F5344CB8AC3E}">
+        <p14:creationId xmlns:p14="http://schemas.microsoft.com/office/powerpoint/2010/main" val="4275784187"/>
+      </p:ext>
+    </p:extLst>
+  </p:cSld>
+  <p:clrMapOvr>
+    <a:masterClrMapping/>
+  </p:clrMapOvr>
+</p:sld>
+</file>
+
+<file path=ppt/slides/slide20.xml><?xml version="1.0" encoding="utf-8"?>
 <p:sld xmlns:a="http://schemas.openxmlformats.org/drawingml/2006/main" xmlns:r="http://schemas.openxmlformats.org/officeDocument/2006/relationships" xmlns:p="http://schemas.openxmlformats.org/presentationml/2006/main">
   <p:cSld>
     <p:spTree>
@@ -5367,137 +7341,7 @@
 </p:sld>
 </file>
 
-<file path=ppt/slides/slide2.xml><?xml version="1.0" encoding="utf-8"?>
-<p:sld xmlns:a="http://schemas.openxmlformats.org/drawingml/2006/main" xmlns:r="http://schemas.openxmlformats.org/officeDocument/2006/relationships" xmlns:p="http://schemas.openxmlformats.org/presentationml/2006/main">
-  <p:cSld>
-    <p:spTree>
-      <p:nvGrpSpPr>
-        <p:cNvPr id="1" name=""/>
-        <p:cNvGrpSpPr/>
-        <p:nvPr/>
-      </p:nvGrpSpPr>
-      <p:grpSpPr>
-        <a:xfrm>
-          <a:off x="0" y="0"/>
-          <a:ext cx="0" cy="0"/>
-          <a:chOff x="0" y="0"/>
-          <a:chExt cx="0" cy="0"/>
-        </a:xfrm>
-      </p:grpSpPr>
-      <p:sp>
-        <p:nvSpPr>
-          <p:cNvPr id="2" name="Title 1">
-            <a:extLst>
-              <a:ext uri="{FF2B5EF4-FFF2-40B4-BE49-F238E27FC236}">
-                <a16:creationId xmlns:a16="http://schemas.microsoft.com/office/drawing/2014/main" id="{D58C4497-F3C0-62EB-C34D-2F4494A7296F}"/>
-              </a:ext>
-            </a:extLst>
-          </p:cNvPr>
-          <p:cNvSpPr>
-            <a:spLocks noGrp="1"/>
-          </p:cNvSpPr>
-          <p:nvPr>
-            <p:ph type="title"/>
-          </p:nvPr>
-        </p:nvSpPr>
-        <p:spPr/>
-        <p:txBody>
-          <a:bodyPr/>
-          <a:lstStyle/>
-          <a:p>
-            <a:r>
-              <a:rPr lang="en-US" dirty="0"/>
-              <a:t>Agenda</a:t>
-            </a:r>
-          </a:p>
-        </p:txBody>
-      </p:sp>
-      <p:sp>
-        <p:nvSpPr>
-          <p:cNvPr id="3" name="Content Placeholder 2">
-            <a:extLst>
-              <a:ext uri="{FF2B5EF4-FFF2-40B4-BE49-F238E27FC236}">
-                <a16:creationId xmlns:a16="http://schemas.microsoft.com/office/drawing/2014/main" id="{CEE598F8-1EB6-B247-DAC8-1D21AF605A90}"/>
-              </a:ext>
-            </a:extLst>
-          </p:cNvPr>
-          <p:cNvSpPr>
-            <a:spLocks noGrp="1"/>
-          </p:cNvSpPr>
-          <p:nvPr>
-            <p:ph idx="1"/>
-          </p:nvPr>
-        </p:nvSpPr>
-        <p:spPr/>
-        <p:txBody>
-          <a:bodyPr>
-            <a:normAutofit/>
-          </a:bodyPr>
-          <a:lstStyle/>
-          <a:p>
-            <a:r>
-              <a:rPr lang="en-US" dirty="0"/>
-              <a:t>Overview</a:t>
-            </a:r>
-          </a:p>
-          <a:p>
-            <a:r>
-              <a:rPr lang="en-US" dirty="0"/>
-              <a:t>Globalizing ASP.NET Core MVC Projects</a:t>
-            </a:r>
-          </a:p>
-          <a:p>
-            <a:r>
-              <a:rPr lang="en-US" dirty="0"/>
-              <a:t>Resource Files</a:t>
-            </a:r>
-          </a:p>
-          <a:p>
-            <a:r>
-              <a:rPr lang="en-US" dirty="0"/>
-              <a:t>Localizing ASP.NET Core MVC Projects</a:t>
-            </a:r>
-          </a:p>
-          <a:p>
-            <a:r>
-              <a:rPr lang="en-US" dirty="0"/>
-              <a:t>User Selectable Culture w/ Cookies</a:t>
-            </a:r>
-          </a:p>
-          <a:p>
-            <a:r>
-              <a:rPr lang="en-US" dirty="0"/>
-              <a:t>Data Annotations</a:t>
-            </a:r>
-          </a:p>
-          <a:p>
-            <a:r>
-              <a:rPr lang="en-US" dirty="0"/>
-              <a:t>Custom Providers</a:t>
-            </a:r>
-          </a:p>
-          <a:p>
-            <a:r>
-              <a:rPr lang="en-US" dirty="0"/>
-              <a:t>Custom Localizers</a:t>
-            </a:r>
-          </a:p>
-        </p:txBody>
-      </p:sp>
-    </p:spTree>
-    <p:extLst>
-      <p:ext uri="{BB962C8B-B14F-4D97-AF65-F5344CB8AC3E}">
-        <p14:creationId xmlns:p14="http://schemas.microsoft.com/office/powerpoint/2010/main" val="4275784187"/>
-      </p:ext>
-    </p:extLst>
-  </p:cSld>
-  <p:clrMapOvr>
-    <a:masterClrMapping/>
-  </p:clrMapOvr>
-</p:sld>
-</file>
-
-<file path=ppt/slides/slide20.xml><?xml version="1.0" encoding="utf-8"?>
+<file path=ppt/slides/slide21.xml><?xml version="1.0" encoding="utf-8"?>
 <p:sld xmlns:a="http://schemas.openxmlformats.org/drawingml/2006/main" xmlns:r="http://schemas.openxmlformats.org/officeDocument/2006/relationships" xmlns:p="http://schemas.openxmlformats.org/presentationml/2006/main">
   <p:cSld>
     <p:bg>
@@ -5852,36 +7696,6 @@
 </p:sld>
 </file>
 
-<file path=ppt/slides/slide21.xml><?xml version="1.0" encoding="utf-8"?>
-<p:sld xmlns:a="http://schemas.openxmlformats.org/drawingml/2006/main" xmlns:r="http://schemas.openxmlformats.org/officeDocument/2006/relationships" xmlns:p="http://schemas.openxmlformats.org/presentationml/2006/main">
-  <p:cSld>
-    <p:spTree>
-      <p:nvGrpSpPr>
-        <p:cNvPr id="1" name=""/>
-        <p:cNvGrpSpPr/>
-        <p:nvPr/>
-      </p:nvGrpSpPr>
-      <p:grpSpPr>
-        <a:xfrm>
-          <a:off x="0" y="0"/>
-          <a:ext cx="0" cy="0"/>
-          <a:chOff x="0" y="0"/>
-          <a:chExt cx="0" cy="0"/>
-        </a:xfrm>
-      </p:grpSpPr>
-    </p:spTree>
-    <p:extLst>
-      <p:ext uri="{BB962C8B-B14F-4D97-AF65-F5344CB8AC3E}">
-        <p14:creationId xmlns:p14="http://schemas.microsoft.com/office/powerpoint/2010/main" val="4033280782"/>
-      </p:ext>
-    </p:extLst>
-  </p:cSld>
-  <p:clrMapOvr>
-    <a:masterClrMapping/>
-  </p:clrMapOvr>
-</p:sld>
-</file>
-
 <file path=ppt/slides/slide22.xml><?xml version="1.0" encoding="utf-8"?>
 <p:sld xmlns:a="http://schemas.openxmlformats.org/drawingml/2006/main" xmlns:r="http://schemas.openxmlformats.org/officeDocument/2006/relationships" xmlns:p="http://schemas.openxmlformats.org/presentationml/2006/main">
   <p:cSld>
@@ -5943,12 +7757,94 @@
             <p:ph idx="1"/>
           </p:nvPr>
         </p:nvSpPr>
-        <p:spPr/>
-        <p:txBody>
-          <a:bodyPr/>
+        <p:spPr>
+          <a:xfrm>
+            <a:off x="1638300" y="2057400"/>
+            <a:ext cx="10092956" cy="4137259"/>
+          </a:xfrm>
+        </p:spPr>
+        <p:txBody>
+          <a:bodyPr>
+            <a:noAutofit/>
+          </a:bodyPr>
           <a:lstStyle/>
           <a:p>
-            <a:endParaRPr lang="en-US"/>
+            <a:pPr marL="0" indent="0">
+              <a:buNone/>
+            </a:pPr>
+            <a:r>
+              <a:rPr lang="en-US" sz="2800" dirty="0">
+                <a:solidFill>
+                  <a:srgbClr val="0078D7"/>
+                </a:solidFill>
+              </a:rPr>
+              <a:t>Models/</a:t>
+            </a:r>
+            <a:r>
+              <a:rPr lang="en-US" sz="2800" dirty="0" err="1">
+                <a:solidFill>
+                  <a:srgbClr val="0078D7"/>
+                </a:solidFill>
+              </a:rPr>
+              <a:t>AlbumViewModel.en-US.resx</a:t>
+            </a:r>
+            <a:endParaRPr lang="en-US" sz="2800" dirty="0">
+              <a:solidFill>
+                <a:srgbClr val="0078D7"/>
+              </a:solidFill>
+            </a:endParaRPr>
+          </a:p>
+          <a:p>
+            <a:pPr marL="0" indent="0">
+              <a:buNone/>
+            </a:pPr>
+            <a:r>
+              <a:rPr lang="en-US" sz="2800" dirty="0">
+                <a:solidFill>
+                  <a:srgbClr val="0078D7"/>
+                </a:solidFill>
+              </a:rPr>
+              <a:t>Models/ </a:t>
+            </a:r>
+            <a:r>
+              <a:rPr lang="en-US" sz="2800" dirty="0" err="1">
+                <a:solidFill>
+                  <a:srgbClr val="0078D7"/>
+                </a:solidFill>
+              </a:rPr>
+              <a:t>AlbumViewModel.en-US.resx</a:t>
+            </a:r>
+            <a:endParaRPr lang="en-US" sz="2800" dirty="0">
+              <a:solidFill>
+                <a:srgbClr val="0078D7"/>
+              </a:solidFill>
+            </a:endParaRPr>
+          </a:p>
+          <a:p>
+            <a:pPr marL="0" indent="0">
+              <a:buNone/>
+            </a:pPr>
+            <a:r>
+              <a:rPr lang="en-US" sz="2800" dirty="0">
+                <a:solidFill>
+                  <a:srgbClr val="0078D7"/>
+                </a:solidFill>
+              </a:rPr>
+              <a:t>Models/ </a:t>
+            </a:r>
+            <a:r>
+              <a:rPr lang="en-US" sz="2800" dirty="0" err="1">
+                <a:solidFill>
+                  <a:srgbClr val="0078D7"/>
+                </a:solidFill>
+              </a:rPr>
+              <a:t>AlbumViewModel.en-US.resx</a:t>
+            </a:r>
+            <a:endParaRPr lang="en-US" sz="2800" dirty="0">
+              <a:solidFill>
+                <a:srgbClr val="0078D7"/>
+              </a:solidFill>
+            </a:endParaRPr>
           </a:p>
         </p:txBody>
       </p:sp>
@@ -6528,36 +8424,6 @@
           <a:chExt cx="0" cy="0"/>
         </a:xfrm>
       </p:grpSpPr>
-    </p:spTree>
-    <p:extLst>
-      <p:ext uri="{BB962C8B-B14F-4D97-AF65-F5344CB8AC3E}">
-        <p14:creationId xmlns:p14="http://schemas.microsoft.com/office/powerpoint/2010/main" val="3259238677"/>
-      </p:ext>
-    </p:extLst>
-  </p:cSld>
-  <p:clrMapOvr>
-    <a:masterClrMapping/>
-  </p:clrMapOvr>
-</p:sld>
-</file>
-
-<file path=ppt/slides/slide26.xml><?xml version="1.0" encoding="utf-8"?>
-<p:sld xmlns:a="http://schemas.openxmlformats.org/drawingml/2006/main" xmlns:r="http://schemas.openxmlformats.org/officeDocument/2006/relationships" xmlns:p="http://schemas.openxmlformats.org/presentationml/2006/main">
-  <p:cSld>
-    <p:spTree>
-      <p:nvGrpSpPr>
-        <p:cNvPr id="1" name=""/>
-        <p:cNvGrpSpPr/>
-        <p:nvPr/>
-      </p:nvGrpSpPr>
-      <p:grpSpPr>
-        <a:xfrm>
-          <a:off x="0" y="0"/>
-          <a:ext cx="0" cy="0"/>
-          <a:chOff x="0" y="0"/>
-          <a:chExt cx="0" cy="0"/>
-        </a:xfrm>
-      </p:grpSpPr>
       <p:pic>
         <p:nvPicPr>
           <p:cNvPr id="13" name="Picture 12">
@@ -6732,7 +8598,7 @@
 </p:sld>
 </file>
 
-<file path=ppt/slides/slide27.xml><?xml version="1.0" encoding="utf-8"?>
+<file path=ppt/slides/slide26.xml><?xml version="1.0" encoding="utf-8"?>
 <p:sld xmlns:a="http://schemas.openxmlformats.org/drawingml/2006/main" xmlns:r="http://schemas.openxmlformats.org/officeDocument/2006/relationships" xmlns:p="http://schemas.openxmlformats.org/presentationml/2006/main">
   <p:cSld>
     <p:spTree>

--- a/Globalizing Your ASP.NET 8 Presence.pptx
+++ b/Globalizing Your ASP.NET 8 Presence.pptx
@@ -129,6 +129,11 @@
       </a:defRPr>
     </a:lvl9pPr>
   </p:defaultTextStyle>
+  <p:extLst>
+    <p:ext uri="{EFAFB233-063F-42B5-8137-9DF3F51BA10A}">
+      <p15:sldGuideLst xmlns:p15="http://schemas.microsoft.com/office/powerpoint/2012/main"/>
+    </p:ext>
+  </p:extLst>
 </p:presentation>
 </file>
 
@@ -283,7 +288,7 @@
           <a:p>
             <a:fld id="{B6D41BCC-AD73-4203-A5A6-E62EB28B0FE6}" type="datetimeFigureOut">
               <a:rPr lang="en-US" smtClean="0"/>
-              <a:t>2/18/24</a:t>
+              <a:t>2/22/2024</a:t>
             </a:fld>
             <a:endParaRPr lang="en-US"/>
           </a:p>
@@ -491,7 +496,7 @@
           <a:p>
             <a:fld id="{B6D41BCC-AD73-4203-A5A6-E62EB28B0FE6}" type="datetimeFigureOut">
               <a:rPr lang="en-US" smtClean="0"/>
-              <a:t>2/18/24</a:t>
+              <a:t>2/22/2024</a:t>
             </a:fld>
             <a:endParaRPr lang="en-US"/>
           </a:p>
@@ -699,7 +704,7 @@
           <a:p>
             <a:fld id="{B6D41BCC-AD73-4203-A5A6-E62EB28B0FE6}" type="datetimeFigureOut">
               <a:rPr lang="en-US" smtClean="0"/>
-              <a:t>2/18/24</a:t>
+              <a:t>2/22/2024</a:t>
             </a:fld>
             <a:endParaRPr lang="en-US"/>
           </a:p>
@@ -897,7 +902,7 @@
           <a:p>
             <a:fld id="{B6D41BCC-AD73-4203-A5A6-E62EB28B0FE6}" type="datetimeFigureOut">
               <a:rPr lang="en-US" smtClean="0"/>
-              <a:t>2/18/24</a:t>
+              <a:t>2/22/2024</a:t>
             </a:fld>
             <a:endParaRPr lang="en-US"/>
           </a:p>
@@ -1174,7 +1179,7 @@
           <a:p>
             <a:fld id="{B6D41BCC-AD73-4203-A5A6-E62EB28B0FE6}" type="datetimeFigureOut">
               <a:rPr lang="en-US" smtClean="0"/>
-              <a:t>2/18/24</a:t>
+              <a:t>2/22/2024</a:t>
             </a:fld>
             <a:endParaRPr lang="en-US"/>
           </a:p>
@@ -1444,7 +1449,7 @@
           <a:p>
             <a:fld id="{B6D41BCC-AD73-4203-A5A6-E62EB28B0FE6}" type="datetimeFigureOut">
               <a:rPr lang="en-US" smtClean="0"/>
-              <a:t>2/18/24</a:t>
+              <a:t>2/22/2024</a:t>
             </a:fld>
             <a:endParaRPr lang="en-US"/>
           </a:p>
@@ -1860,7 +1865,7 @@
           <a:p>
             <a:fld id="{B6D41BCC-AD73-4203-A5A6-E62EB28B0FE6}" type="datetimeFigureOut">
               <a:rPr lang="en-US" smtClean="0"/>
-              <a:t>2/18/24</a:t>
+              <a:t>2/22/2024</a:t>
             </a:fld>
             <a:endParaRPr lang="en-US"/>
           </a:p>
@@ -2001,7 +2006,7 @@
           <a:p>
             <a:fld id="{B6D41BCC-AD73-4203-A5A6-E62EB28B0FE6}" type="datetimeFigureOut">
               <a:rPr lang="en-US" smtClean="0"/>
-              <a:t>2/18/24</a:t>
+              <a:t>2/22/2024</a:t>
             </a:fld>
             <a:endParaRPr lang="en-US"/>
           </a:p>
@@ -2114,7 +2119,7 @@
           <a:p>
             <a:fld id="{B6D41BCC-AD73-4203-A5A6-E62EB28B0FE6}" type="datetimeFigureOut">
               <a:rPr lang="en-US" smtClean="0"/>
-              <a:t>2/18/24</a:t>
+              <a:t>2/22/2024</a:t>
             </a:fld>
             <a:endParaRPr lang="en-US"/>
           </a:p>
@@ -2440,7 +2445,7 @@
           <a:p>
             <a:fld id="{B6D41BCC-AD73-4203-A5A6-E62EB28B0FE6}" type="datetimeFigureOut">
               <a:rPr lang="en-US" smtClean="0"/>
-              <a:t>2/18/24</a:t>
+              <a:t>2/22/2024</a:t>
             </a:fld>
             <a:endParaRPr lang="en-US"/>
           </a:p>
@@ -2728,7 +2733,7 @@
           <a:p>
             <a:fld id="{B6D41BCC-AD73-4203-A5A6-E62EB28B0FE6}" type="datetimeFigureOut">
               <a:rPr lang="en-US" smtClean="0"/>
-              <a:t>2/18/24</a:t>
+              <a:t>2/22/2024</a:t>
             </a:fld>
             <a:endParaRPr lang="en-US"/>
           </a:p>
@@ -2968,7 +2973,7 @@
             <a:fld id="{B6D41BCC-AD73-4203-A5A6-E62EB28B0FE6}" type="datetimeFigureOut">
               <a:rPr lang="en-US" smtClean="0"/>
               <a:pPr/>
-              <a:t>2/18/24</a:t>
+              <a:t>2/22/2024</a:t>
             </a:fld>
             <a:endParaRPr lang="en-US"/>
           </a:p>
@@ -3540,8 +3545,8 @@
         </p:nvSpPr>
         <p:spPr>
           <a:xfrm>
-            <a:off x="1213076" y="1607462"/>
-            <a:ext cx="3663724" cy="2016553"/>
+            <a:off x="299453" y="791412"/>
+            <a:ext cx="5047915" cy="2832604"/>
           </a:xfrm>
         </p:spPr>
         <p:txBody>
@@ -3551,10 +3556,9 @@
           <a:lstStyle/>
           <a:p>
             <a:r>
-              <a:rPr lang="en-US" sz="3200"/>
+              <a:rPr lang="en-US" sz="4800" dirty="0"/>
               <a:t>Globalizing Your ASP.NET 8 Presence</a:t>
             </a:r>
-            <a:endParaRPr lang="en-US" sz="3200" dirty="0"/>
           </a:p>
         </p:txBody>
       </p:sp>
@@ -3576,8 +3580,8 @@
         </p:nvSpPr>
         <p:spPr>
           <a:xfrm>
-            <a:off x="1223929" y="3851839"/>
-            <a:ext cx="3663724" cy="1192070"/>
+            <a:off x="299453" y="3851839"/>
+            <a:ext cx="4588200" cy="1192070"/>
           </a:xfrm>
         </p:spPr>
         <p:txBody>
@@ -3587,12 +3591,8 @@
           <a:lstStyle/>
           <a:p>
             <a:r>
-              <a:rPr lang="en-US" sz="1600"/>
-              <a:t>Confoo </a:t>
-            </a:r>
-            <a:r>
-              <a:rPr lang="en-US" sz="1600" dirty="0"/>
-              <a:t>2024</a:t>
+              <a:rPr lang="en-US" sz="2800" b="1" dirty="0"/>
+              <a:t>Confoo 2024</a:t>
             </a:r>
           </a:p>
         </p:txBody>
@@ -3618,8 +3618,8 @@
         </p:blipFill>
         <p:spPr>
           <a:xfrm>
-            <a:off x="6477000" y="1648605"/>
-            <a:ext cx="4912581" cy="3560789"/>
+            <a:off x="5679400" y="1070479"/>
+            <a:ext cx="6512600" cy="4720532"/>
           </a:xfrm>
           <a:prstGeom prst="rect">
             <a:avLst/>
@@ -3880,7 +3880,7 @@
           <a:p>
             <a:pPr algn="r"/>
             <a:r>
-              <a:rPr lang="en-US" sz="4400" dirty="0">
+              <a:rPr lang="en-US" sz="5400" dirty="0">
                 <a:solidFill>
                   <a:srgbClr val="FFFFFF"/>
                 </a:solidFill>
@@ -4030,11 +4030,13 @@
         </p:nvSpPr>
         <p:spPr/>
         <p:txBody>
-          <a:bodyPr/>
+          <a:bodyPr>
+            <a:normAutofit/>
+          </a:bodyPr>
           <a:lstStyle/>
           <a:p>
             <a:r>
-              <a:rPr lang="en-US" dirty="0"/>
+              <a:rPr lang="en-US" sz="4000" dirty="0"/>
               <a:t>Resource File Generation</a:t>
             </a:r>
           </a:p>
@@ -4058,14 +4060,20 @@
         </p:nvSpPr>
         <p:spPr/>
         <p:txBody>
-          <a:bodyPr/>
+          <a:bodyPr>
+            <a:normAutofit/>
+          </a:bodyPr>
           <a:lstStyle/>
           <a:p>
             <a:pPr marL="0" indent="0">
               <a:buNone/>
             </a:pPr>
             <a:r>
-              <a:rPr lang="en-US" dirty="0"/>
+              <a:rPr lang="en-US" sz="2400" dirty="0">
+                <a:latin typeface="Hack" panose="020B0609030202020204" pitchFamily="49" charset="0"/>
+                <a:ea typeface="Hack" panose="020B0609030202020204" pitchFamily="49" charset="0"/>
+                <a:cs typeface="Hack" panose="020B0609030202020204" pitchFamily="49" charset="0"/>
+              </a:rPr>
               <a:t>RESGEN.EXE</a:t>
             </a:r>
           </a:p>
@@ -4074,7 +4082,7 @@
               <a:buNone/>
             </a:pPr>
             <a:r>
-              <a:rPr lang="en-US" dirty="0"/>
+              <a:rPr lang="en-US" sz="2400" dirty="0"/>
               <a:t>Use a Localization Manager in your preferred IDE</a:t>
             </a:r>
           </a:p>
@@ -4083,7 +4091,7 @@
               <a:buNone/>
             </a:pPr>
             <a:r>
-              <a:rPr lang="en-US" dirty="0"/>
+              <a:rPr lang="en-US" sz="2400" dirty="0"/>
               <a:t>Working with your Business Analyst</a:t>
             </a:r>
           </a:p>
@@ -4343,7 +4351,7 @@
           <a:p>
             <a:pPr algn="r"/>
             <a:r>
-              <a:rPr lang="en-US" sz="4400" dirty="0">
+              <a:rPr lang="en-US" dirty="0">
                 <a:solidFill>
                   <a:srgbClr val="FFFFFF"/>
                 </a:solidFill>
@@ -4434,8 +4442,8 @@
         </p:nvSpPr>
         <p:spPr>
           <a:xfrm>
-            <a:off x="588333" y="1705451"/>
-            <a:ext cx="11270513" cy="3447098"/>
+            <a:off x="250127" y="1705451"/>
+            <a:ext cx="11829794" cy="4431983"/>
           </a:xfrm>
           <a:prstGeom prst="rect">
             <a:avLst/>
@@ -4452,7 +4460,7 @@
               <a:buNone/>
             </a:pPr>
             <a:r>
-              <a:rPr lang="en-US" sz="2000" dirty="0">
+              <a:rPr lang="en-US" sz="2400" dirty="0">
                 <a:solidFill>
                   <a:srgbClr val="569CD6"/>
                 </a:solidFill>
@@ -4463,7 +4471,7 @@
               <a:t>public</a:t>
             </a:r>
             <a:r>
-              <a:rPr lang="en-US" sz="2000" dirty="0">
+              <a:rPr lang="en-US" sz="2400" dirty="0">
                 <a:solidFill>
                   <a:srgbClr val="D4D4D4"/>
                 </a:solidFill>
@@ -4474,7 +4482,7 @@
               <a:t> </a:t>
             </a:r>
             <a:r>
-              <a:rPr lang="en-US" sz="2000" dirty="0">
+              <a:rPr lang="en-US" sz="2400" dirty="0">
                 <a:solidFill>
                   <a:srgbClr val="569CD6"/>
                 </a:solidFill>
@@ -4485,7 +4493,7 @@
               <a:t>class</a:t>
             </a:r>
             <a:r>
-              <a:rPr lang="en-US" sz="2000" dirty="0">
+              <a:rPr lang="en-US" sz="2400" dirty="0">
                 <a:solidFill>
                   <a:srgbClr val="D4D4D4"/>
                 </a:solidFill>
@@ -4496,7 +4504,7 @@
               <a:t> </a:t>
             </a:r>
             <a:r>
-              <a:rPr lang="en-US" sz="2000" dirty="0" err="1">
+              <a:rPr lang="en-US" sz="2400" dirty="0" err="1">
                 <a:solidFill>
                   <a:srgbClr val="4EC9B0"/>
                 </a:solidFill>
@@ -4507,7 +4515,7 @@
               <a:t>HomeController</a:t>
             </a:r>
             <a:r>
-              <a:rPr lang="en-US" sz="2000" dirty="0">
+              <a:rPr lang="en-US" sz="2400" dirty="0">
                 <a:solidFill>
                   <a:srgbClr val="D4D4D4"/>
                 </a:solidFill>
@@ -4518,7 +4526,7 @@
               <a:t> : </a:t>
             </a:r>
             <a:r>
-              <a:rPr lang="en-US" sz="2000" dirty="0">
+              <a:rPr lang="en-US" sz="2400" dirty="0">
                 <a:solidFill>
                   <a:srgbClr val="4EC9B0"/>
                 </a:solidFill>
@@ -4529,7 +4537,7 @@
               <a:t>Controller</a:t>
             </a:r>
             <a:r>
-              <a:rPr lang="en-US" sz="2000" dirty="0">
+              <a:rPr lang="en-US" sz="2400" dirty="0">
                 <a:solidFill>
                   <a:srgbClr val="D4D4D4"/>
                 </a:solidFill>
@@ -4540,7 +4548,7 @@
               <a:t> </a:t>
             </a:r>
             <a:r>
-              <a:rPr lang="en-US" sz="2000" dirty="0">
+              <a:rPr lang="en-US" sz="2400" dirty="0">
                 <a:solidFill>
                   <a:schemeClr val="accent6"/>
                 </a:solidFill>
@@ -4556,7 +4564,7 @@
               <a:buNone/>
             </a:pPr>
             <a:r>
-              <a:rPr lang="en-US" sz="2000" dirty="0">
+              <a:rPr lang="en-US" sz="2400" dirty="0">
                 <a:solidFill>
                   <a:srgbClr val="569CD6"/>
                 </a:solidFill>
@@ -4567,7 +4575,7 @@
               <a:t>	private</a:t>
             </a:r>
             <a:r>
-              <a:rPr lang="en-US" sz="2000" dirty="0">
+              <a:rPr lang="en-US" sz="2400" dirty="0">
                 <a:solidFill>
                   <a:srgbClr val="D4D4D4"/>
                 </a:solidFill>
@@ -4578,7 +4586,7 @@
               <a:t> </a:t>
             </a:r>
             <a:r>
-              <a:rPr lang="en-US" sz="2000" dirty="0" err="1">
+              <a:rPr lang="en-US" sz="2400" dirty="0" err="1">
                 <a:solidFill>
                   <a:srgbClr val="569CD6"/>
                 </a:solidFill>
@@ -4589,7 +4597,7 @@
               <a:t>readonly</a:t>
             </a:r>
             <a:r>
-              <a:rPr lang="en-US" sz="2000" dirty="0">
+              <a:rPr lang="en-US" sz="2400" dirty="0">
                 <a:solidFill>
                   <a:srgbClr val="D4D4D4"/>
                 </a:solidFill>
@@ -4600,7 +4608,7 @@
               <a:t> </a:t>
             </a:r>
             <a:r>
-              <a:rPr lang="en-US" sz="2000" dirty="0" err="1">
+              <a:rPr lang="en-US" sz="2400" dirty="0" err="1">
                 <a:solidFill>
                   <a:srgbClr val="4EC9B0"/>
                 </a:solidFill>
@@ -4611,7 +4619,7 @@
               <a:t>IHtmlStringLocalizer</a:t>
             </a:r>
             <a:r>
-              <a:rPr lang="en-US" sz="2000" dirty="0">
+              <a:rPr lang="en-US" sz="2400" dirty="0">
                 <a:solidFill>
                   <a:schemeClr val="accent6"/>
                 </a:solidFill>
@@ -4622,7 +4630,7 @@
               <a:t>&lt;</a:t>
             </a:r>
             <a:r>
-              <a:rPr lang="en-US" sz="2000" dirty="0" err="1">
+              <a:rPr lang="en-US" sz="2400" dirty="0" err="1">
                 <a:solidFill>
                   <a:srgbClr val="4EC9B0"/>
                 </a:solidFill>
@@ -4633,7 +4641,7 @@
               <a:t>HomeController</a:t>
             </a:r>
             <a:r>
-              <a:rPr lang="en-US" sz="2000" dirty="0">
+              <a:rPr lang="en-US" sz="2400" dirty="0">
                 <a:solidFill>
                   <a:schemeClr val="accent6"/>
                 </a:solidFill>
@@ -4641,7 +4649,7 @@
                 <a:ea typeface="Hack" panose="020B0609030202020204" pitchFamily="49" charset="0"/>
                 <a:cs typeface="Hack" panose="020B0609030202020204" pitchFamily="49" charset="0"/>
               </a:rPr>
-              <a:t>&gt; _localizer;</a:t>
+              <a:t>&gt; 	_localizer;</a:t>
             </a:r>
           </a:p>
           <a:p>
@@ -4649,7 +4657,7 @@
               <a:buNone/>
             </a:pPr>
             <a:br>
-              <a:rPr lang="en-US" sz="2000" dirty="0">
+              <a:rPr lang="en-US" sz="2400" dirty="0">
                 <a:solidFill>
                   <a:srgbClr val="D4D4D4"/>
                 </a:solidFill>
@@ -4659,7 +4667,7 @@
               </a:rPr>
             </a:br>
             <a:r>
-              <a:rPr lang="en-US" sz="2000" dirty="0">
+              <a:rPr lang="en-US" sz="2400" dirty="0">
                 <a:solidFill>
                   <a:srgbClr val="D4D4D4"/>
                 </a:solidFill>
@@ -4670,7 +4678,7 @@
               <a:t>	</a:t>
             </a:r>
             <a:r>
-              <a:rPr lang="en-US" sz="2000" dirty="0">
+              <a:rPr lang="en-US" sz="2400" dirty="0">
                 <a:solidFill>
                   <a:srgbClr val="569CD6"/>
                 </a:solidFill>
@@ -4681,7 +4689,7 @@
               <a:t>public </a:t>
             </a:r>
             <a:r>
-              <a:rPr lang="en-US" sz="2000" dirty="0" err="1">
+              <a:rPr lang="en-US" sz="2400" dirty="0" err="1">
                 <a:solidFill>
                   <a:srgbClr val="908E3A"/>
                 </a:solidFill>
@@ -4692,7 +4700,7 @@
               <a:t>HomeController</a:t>
             </a:r>
             <a:r>
-              <a:rPr lang="en-US" sz="2000" dirty="0">
+              <a:rPr lang="en-US" sz="2400" dirty="0">
                 <a:solidFill>
                   <a:schemeClr val="accent6"/>
                 </a:solidFill>
@@ -4708,7 +4716,7 @@
               <a:buNone/>
             </a:pPr>
             <a:r>
-              <a:rPr lang="en-US" sz="2000" dirty="0">
+              <a:rPr lang="en-US" sz="2400" dirty="0">
                 <a:solidFill>
                   <a:srgbClr val="D4D4D4"/>
                 </a:solidFill>
@@ -4719,7 +4727,7 @@
               <a:t>		</a:t>
             </a:r>
             <a:r>
-              <a:rPr lang="en-US" sz="2000" dirty="0" err="1">
+              <a:rPr lang="en-US" sz="2400" dirty="0" err="1">
                 <a:solidFill>
                   <a:srgbClr val="4EC9B0"/>
                 </a:solidFill>
@@ -4730,7 +4738,7 @@
               <a:t>IStringLocalizer</a:t>
             </a:r>
             <a:r>
-              <a:rPr lang="en-US" sz="2000" dirty="0">
+              <a:rPr lang="en-US" sz="2400" dirty="0">
                 <a:solidFill>
                   <a:schemeClr val="accent6"/>
                 </a:solidFill>
@@ -4741,7 +4749,7 @@
               <a:t>&lt;</a:t>
             </a:r>
             <a:r>
-              <a:rPr lang="en-US" sz="2000" dirty="0" err="1">
+              <a:rPr lang="en-US" sz="2400" dirty="0" err="1">
                 <a:solidFill>
                   <a:srgbClr val="4EC9B0"/>
                 </a:solidFill>
@@ -4752,7 +4760,7 @@
               <a:t>HomeController</a:t>
             </a:r>
             <a:r>
-              <a:rPr lang="en-US" sz="2000" dirty="0">
+              <a:rPr lang="en-US" sz="2400" dirty="0">
                 <a:solidFill>
                   <a:schemeClr val="accent6"/>
                 </a:solidFill>
@@ -4768,7 +4776,7 @@
               <a:buNone/>
             </a:pPr>
             <a:r>
-              <a:rPr lang="en-US" sz="2000" dirty="0">
+              <a:rPr lang="en-US" sz="2400" dirty="0">
                 <a:solidFill>
                   <a:schemeClr val="accent6"/>
                 </a:solidFill>
@@ -4776,7 +4784,7 @@
                 <a:ea typeface="Hack" panose="020B0609030202020204" pitchFamily="49" charset="0"/>
                 <a:cs typeface="Hack" panose="020B0609030202020204" pitchFamily="49" charset="0"/>
               </a:rPr>
-              <a:t>		)</a:t>
+              <a:t>	)</a:t>
             </a:r>
           </a:p>
           <a:p>
@@ -4784,7 +4792,7 @@
               <a:buNone/>
             </a:pPr>
             <a:r>
-              <a:rPr lang="en-US" sz="2000" dirty="0">
+              <a:rPr lang="en-US" sz="2400" dirty="0">
                 <a:solidFill>
                   <a:schemeClr val="accent6"/>
                 </a:solidFill>
@@ -4800,7 +4808,7 @@
               <a:buNone/>
             </a:pPr>
             <a:r>
-              <a:rPr lang="en-US" sz="2000" dirty="0">
+              <a:rPr lang="en-US" sz="2400" dirty="0">
                 <a:solidFill>
                   <a:srgbClr val="9CDCFE"/>
                 </a:solidFill>
@@ -4811,7 +4819,7 @@
               <a:t>		</a:t>
             </a:r>
             <a:r>
-              <a:rPr lang="en-US" sz="2000" dirty="0">
+              <a:rPr lang="en-US" sz="2400" dirty="0">
                 <a:solidFill>
                   <a:schemeClr val="accent2">
                     <a:lumMod val="60000"/>
@@ -4825,7 +4833,7 @@
               <a:t>_localizer = localizer</a:t>
             </a:r>
             <a:r>
-              <a:rPr lang="en-US" sz="2000" dirty="0">
+              <a:rPr lang="en-US" sz="2400" dirty="0">
                 <a:solidFill>
                   <a:schemeClr val="accent6"/>
                 </a:solidFill>
@@ -4841,7 +4849,7 @@
               <a:buNone/>
             </a:pPr>
             <a:r>
-              <a:rPr lang="en-US" sz="2000" dirty="0">
+              <a:rPr lang="en-US" sz="2400" dirty="0">
                 <a:solidFill>
                   <a:schemeClr val="accent6"/>
                 </a:solidFill>
@@ -4857,7 +4865,7 @@
               <a:buNone/>
             </a:pPr>
             <a:r>
-              <a:rPr lang="en-US" sz="2000" dirty="0">
+              <a:rPr lang="en-US" sz="2400" dirty="0">
                 <a:solidFill>
                   <a:schemeClr val="accent6"/>
                 </a:solidFill>
@@ -4928,49 +4936,54 @@
         </p:nvSpPr>
         <p:spPr/>
         <p:txBody>
-          <a:bodyPr/>
-          <a:lstStyle/>
-          <a:p>
-            <a:r>
-              <a:rPr lang="en-US" dirty="0"/>
-              <a:t>Resource File Naming Standard</a:t>
-            </a:r>
-          </a:p>
-        </p:txBody>
-      </p:sp>
-      <p:sp>
-        <p:nvSpPr>
-          <p:cNvPr id="3" name="Content Placeholder 2">
-            <a:extLst>
-              <a:ext uri="{FF2B5EF4-FFF2-40B4-BE49-F238E27FC236}">
-                <a16:creationId xmlns:a16="http://schemas.microsoft.com/office/drawing/2014/main" id="{82175F3E-8072-5FC4-FA79-270C6397131B}"/>
-              </a:ext>
-            </a:extLst>
-          </p:cNvPr>
-          <p:cNvSpPr>
-            <a:spLocks noGrp="1"/>
-          </p:cNvSpPr>
-          <p:nvPr>
-            <p:ph idx="1"/>
-          </p:nvPr>
-        </p:nvSpPr>
-        <p:spPr>
-          <a:xfrm>
-            <a:off x="1638300" y="2057400"/>
-            <a:ext cx="8915402" cy="4641112"/>
-          </a:xfrm>
-        </p:spPr>
-        <p:txBody>
           <a:bodyPr>
             <a:normAutofit/>
           </a:bodyPr>
           <a:lstStyle/>
           <a:p>
+            <a:r>
+              <a:rPr lang="en-US" sz="4000" dirty="0"/>
+              <a:t>Resource File Naming Standard</a:t>
+            </a:r>
+          </a:p>
+        </p:txBody>
+      </p:sp>
+      <p:sp>
+        <p:nvSpPr>
+          <p:cNvPr id="3" name="Content Placeholder 2">
+            <a:extLst>
+              <a:ext uri="{FF2B5EF4-FFF2-40B4-BE49-F238E27FC236}">
+                <a16:creationId xmlns:a16="http://schemas.microsoft.com/office/drawing/2014/main" id="{82175F3E-8072-5FC4-FA79-270C6397131B}"/>
+              </a:ext>
+            </a:extLst>
+          </p:cNvPr>
+          <p:cNvSpPr>
+            <a:spLocks noGrp="1"/>
+          </p:cNvSpPr>
+          <p:nvPr>
+            <p:ph idx="1"/>
+          </p:nvPr>
+        </p:nvSpPr>
+        <p:spPr>
+          <a:xfrm>
+            <a:off x="1638300" y="2057400"/>
+            <a:ext cx="9830654" cy="4641112"/>
+          </a:xfrm>
+        </p:spPr>
+        <p:txBody>
+          <a:bodyPr>
+            <a:normAutofit/>
+          </a:bodyPr>
+          <a:lstStyle/>
+          <a:p>
             <a:pPr marL="0" indent="0">
+              <a:lnSpc>
+                <a:spcPct val="100000"/>
+              </a:lnSpc>
               <a:buNone/>
             </a:pPr>
             <a:r>
-              <a:rPr lang="en-US" sz="2800" dirty="0">
+              <a:rPr lang="en-US" sz="3200" dirty="0">
                 <a:solidFill>
                   <a:schemeClr val="accent2"/>
                 </a:solidFill>
@@ -4978,14 +4991,14 @@
               <a:t>Resources/</a:t>
             </a:r>
             <a:r>
-              <a:rPr lang="en-US" sz="2800" dirty="0" err="1">
+              <a:rPr lang="en-US" sz="3200" dirty="0" err="1">
                 <a:solidFill>
                   <a:schemeClr val="accent2"/>
                 </a:solidFill>
               </a:rPr>
               <a:t>Controllers.HomeController.en.resx</a:t>
             </a:r>
-            <a:endParaRPr lang="en-US" sz="2800" dirty="0">
+            <a:endParaRPr lang="en-US" sz="3200" dirty="0">
               <a:solidFill>
                 <a:schemeClr val="accent2"/>
               </a:solidFill>
@@ -4993,10 +5006,13 @@
           </a:p>
           <a:p>
             <a:pPr marL="0" indent="0">
+              <a:lnSpc>
+                <a:spcPct val="100000"/>
+              </a:lnSpc>
               <a:buNone/>
             </a:pPr>
             <a:r>
-              <a:rPr lang="en-US" sz="2800" dirty="0">
+              <a:rPr lang="en-US" sz="3200" dirty="0">
                 <a:solidFill>
                   <a:schemeClr val="accent2"/>
                 </a:solidFill>
@@ -5004,14 +5020,14 @@
               <a:t>Resources/</a:t>
             </a:r>
             <a:r>
-              <a:rPr lang="en-US" sz="2800" dirty="0" err="1">
+              <a:rPr lang="en-US" sz="3200" dirty="0" err="1">
                 <a:solidFill>
                   <a:schemeClr val="accent2"/>
                 </a:solidFill>
               </a:rPr>
               <a:t>Controllers.HomeController.fr.resx</a:t>
             </a:r>
-            <a:endParaRPr lang="en-US" sz="2800" dirty="0">
+            <a:endParaRPr lang="en-US" sz="3200" dirty="0">
               <a:solidFill>
                 <a:schemeClr val="accent2"/>
               </a:solidFill>
@@ -5019,10 +5035,13 @@
           </a:p>
           <a:p>
             <a:pPr marL="0" indent="0">
+              <a:lnSpc>
+                <a:spcPct val="100000"/>
+              </a:lnSpc>
               <a:buNone/>
             </a:pPr>
             <a:r>
-              <a:rPr lang="en-US" sz="2800" dirty="0">
+              <a:rPr lang="en-US" sz="3200" dirty="0">
                 <a:solidFill>
                   <a:schemeClr val="accent2"/>
                 </a:solidFill>
@@ -5030,14 +5049,14 @@
               <a:t>Resources/</a:t>
             </a:r>
             <a:r>
-              <a:rPr lang="en-US" sz="2800" dirty="0" err="1">
+              <a:rPr lang="en-US" sz="3200" dirty="0" err="1">
                 <a:solidFill>
                   <a:schemeClr val="accent2"/>
                 </a:solidFill>
               </a:rPr>
               <a:t>Controllers.HomeController.en.resx</a:t>
             </a:r>
-            <a:endParaRPr lang="en-US" sz="2800" dirty="0">
+            <a:endParaRPr lang="en-US" sz="3200" dirty="0">
               <a:solidFill>
                 <a:schemeClr val="accent2"/>
               </a:solidFill>
@@ -5045,16 +5064,22 @@
           </a:p>
           <a:p>
             <a:pPr marL="0" indent="0">
+              <a:lnSpc>
+                <a:spcPct val="100000"/>
+              </a:lnSpc>
               <a:buNone/>
             </a:pPr>
-            <a:endParaRPr lang="en-US" sz="2800" dirty="0"/>
+            <a:endParaRPr lang="en-US" sz="3200" dirty="0"/>
           </a:p>
           <a:p>
             <a:pPr marL="0" indent="0">
+              <a:lnSpc>
+                <a:spcPct val="100000"/>
+              </a:lnSpc>
               <a:buNone/>
             </a:pPr>
             <a:r>
-              <a:rPr lang="en-US" sz="2800" dirty="0">
+              <a:rPr lang="en-US" sz="3200" dirty="0">
                 <a:solidFill>
                   <a:srgbClr val="008272"/>
                 </a:solidFill>
@@ -5062,14 +5087,14 @@
               <a:t>Resources/Controllers/</a:t>
             </a:r>
             <a:r>
-              <a:rPr lang="en-US" sz="2800" dirty="0" err="1">
+              <a:rPr lang="en-US" sz="3200" dirty="0" err="1">
                 <a:solidFill>
                   <a:srgbClr val="008272"/>
                 </a:solidFill>
               </a:rPr>
               <a:t>HomeController.en.resx</a:t>
             </a:r>
-            <a:endParaRPr lang="en-US" sz="2800" dirty="0">
+            <a:endParaRPr lang="en-US" sz="3200" dirty="0">
               <a:solidFill>
                 <a:srgbClr val="008272"/>
               </a:solidFill>
@@ -5077,10 +5102,13 @@
           </a:p>
           <a:p>
             <a:pPr marL="0" indent="0">
+              <a:lnSpc>
+                <a:spcPct val="100000"/>
+              </a:lnSpc>
               <a:buNone/>
             </a:pPr>
             <a:r>
-              <a:rPr lang="en-US" sz="2800" dirty="0">
+              <a:rPr lang="en-US" sz="3200" dirty="0">
                 <a:solidFill>
                   <a:srgbClr val="008272"/>
                 </a:solidFill>
@@ -5088,14 +5116,14 @@
               <a:t>Resources/Controllers/</a:t>
             </a:r>
             <a:r>
-              <a:rPr lang="en-US" sz="2800" dirty="0" err="1">
+              <a:rPr lang="en-US" sz="3200" dirty="0" err="1">
                 <a:solidFill>
                   <a:srgbClr val="008272"/>
                 </a:solidFill>
               </a:rPr>
               <a:t>HomeController.fr.resx</a:t>
             </a:r>
-            <a:endParaRPr lang="en-US" sz="2800" dirty="0">
+            <a:endParaRPr lang="en-US" sz="3200" dirty="0">
               <a:solidFill>
                 <a:srgbClr val="008272"/>
               </a:solidFill>
@@ -5103,10 +5131,13 @@
           </a:p>
           <a:p>
             <a:pPr marL="0" indent="0">
+              <a:lnSpc>
+                <a:spcPct val="100000"/>
+              </a:lnSpc>
               <a:buNone/>
             </a:pPr>
             <a:r>
-              <a:rPr lang="en-US" sz="2800" dirty="0">
+              <a:rPr lang="en-US" sz="3200" dirty="0">
                 <a:solidFill>
                   <a:srgbClr val="008272"/>
                 </a:solidFill>
@@ -5114,14 +5145,14 @@
               <a:t>Resources/Controllers/</a:t>
             </a:r>
             <a:r>
-              <a:rPr lang="en-US" sz="2800" dirty="0" err="1">
+              <a:rPr lang="en-US" sz="3200" dirty="0" err="1">
                 <a:solidFill>
                   <a:srgbClr val="008272"/>
                 </a:solidFill>
               </a:rPr>
               <a:t>HomeController.en.resx</a:t>
             </a:r>
-            <a:endParaRPr lang="en-US" sz="2800" dirty="0">
+            <a:endParaRPr lang="en-US" sz="3200" dirty="0">
               <a:solidFill>
                 <a:srgbClr val="008272"/>
               </a:solidFill>
@@ -5218,13 +5249,18 @@
           <a:p>
             <a:pPr algn="r"/>
             <a:r>
-              <a:rPr lang="en-US" sz="4400" dirty="0">
+              <a:rPr lang="en-US" sz="5400" dirty="0">
                 <a:solidFill>
                   <a:srgbClr val="FFFFFF"/>
                 </a:solidFill>
               </a:rPr>
               <a:t>Demo</a:t>
             </a:r>
+            <a:endParaRPr lang="en-US" sz="4400" dirty="0">
+              <a:solidFill>
+                <a:srgbClr val="FFFFFF"/>
+              </a:solidFill>
+            </a:endParaRPr>
           </a:p>
         </p:txBody>
       </p:sp>
@@ -5573,7 +5609,7 @@
           <a:lstStyle/>
           <a:p>
             <a:r>
-              <a:rPr lang="en-US" sz="4400">
+              <a:rPr lang="en-US" sz="5400" dirty="0">
                 <a:solidFill>
                   <a:srgbClr val="FFFFFF"/>
                 </a:solidFill>
@@ -5719,8 +5755,8 @@
         </p:nvSpPr>
         <p:spPr>
           <a:xfrm>
-            <a:off x="949841" y="2518074"/>
-            <a:ext cx="10724707" cy="2246769"/>
+            <a:off x="221425" y="2518074"/>
+            <a:ext cx="11453124" cy="2554545"/>
           </a:xfrm>
           <a:prstGeom prst="rect">
             <a:avLst/>
@@ -5734,7 +5770,7 @@
           <a:lstStyle/>
           <a:p>
             <a:r>
-              <a:rPr lang="en-US" sz="2800" dirty="0">
+              <a:rPr lang="en-US" sz="3200" dirty="0">
                 <a:solidFill>
                   <a:srgbClr val="071591"/>
                 </a:solidFill>
@@ -5746,7 +5782,7 @@
               <a:t>public </a:t>
             </a:r>
             <a:r>
-              <a:rPr lang="en-US" sz="2800" dirty="0" err="1">
+              <a:rPr lang="en-US" sz="3200" dirty="0" err="1">
                 <a:solidFill>
                   <a:srgbClr val="000000"/>
                 </a:solidFill>
@@ -5758,7 +5794,7 @@
               <a:t>IActionResult</a:t>
             </a:r>
             <a:r>
-              <a:rPr lang="en-US" sz="2800" dirty="0">
+              <a:rPr lang="en-US" sz="3200" dirty="0">
                 <a:solidFill>
                   <a:srgbClr val="000000"/>
                 </a:solidFill>
@@ -5770,7 +5806,7 @@
               <a:t> Index</a:t>
             </a:r>
             <a:r>
-              <a:rPr lang="en-US" sz="2800" dirty="0">
+              <a:rPr lang="en-US" sz="3200" dirty="0">
                 <a:solidFill>
                   <a:srgbClr val="262626"/>
                 </a:solidFill>
@@ -5782,7 +5818,7 @@
               <a:t>()</a:t>
             </a:r>
             <a:br>
-              <a:rPr lang="en-US" sz="2800" dirty="0">
+              <a:rPr lang="en-US" sz="3200" dirty="0">
                 <a:solidFill>
                   <a:srgbClr val="262626"/>
                 </a:solidFill>
@@ -5793,7 +5829,7 @@
               </a:rPr>
             </a:br>
             <a:r>
-              <a:rPr lang="en-US" sz="2800" dirty="0">
+              <a:rPr lang="en-US" sz="3200" dirty="0">
                 <a:solidFill>
                   <a:srgbClr val="262626"/>
                 </a:solidFill>
@@ -5805,7 +5841,7 @@
               <a:t>{</a:t>
             </a:r>
             <a:br>
-              <a:rPr lang="en-US" sz="2800" dirty="0">
+              <a:rPr lang="en-US" sz="3200" dirty="0">
                 <a:solidFill>
                   <a:srgbClr val="262626"/>
                 </a:solidFill>
@@ -5816,7 +5852,7 @@
               </a:rPr>
             </a:br>
             <a:r>
-              <a:rPr lang="en-US" sz="2800" dirty="0">
+              <a:rPr lang="en-US" sz="3200" dirty="0">
                 <a:solidFill>
                   <a:srgbClr val="262626"/>
                 </a:solidFill>
@@ -5828,7 +5864,7 @@
               <a:t>    </a:t>
             </a:r>
             <a:r>
-              <a:rPr lang="en-US" sz="2800" dirty="0" err="1">
+              <a:rPr lang="en-US" sz="3200" dirty="0" err="1">
                 <a:solidFill>
                   <a:srgbClr val="660E7A"/>
                 </a:solidFill>
@@ -5840,7 +5876,7 @@
               <a:t>ViewData</a:t>
             </a:r>
             <a:r>
-              <a:rPr lang="en-US" sz="2800" dirty="0">
+              <a:rPr lang="en-US" sz="3200" dirty="0">
                 <a:solidFill>
                   <a:srgbClr val="262626"/>
                 </a:solidFill>
@@ -5852,7 +5888,7 @@
               <a:t>[</a:t>
             </a:r>
             <a:r>
-              <a:rPr lang="en-US" sz="2800" dirty="0">
+              <a:rPr lang="en-US" sz="3200" dirty="0">
                 <a:solidFill>
                   <a:srgbClr val="106B10"/>
                 </a:solidFill>
@@ -5864,7 +5900,7 @@
               <a:t>"Title"</a:t>
             </a:r>
             <a:r>
-              <a:rPr lang="en-US" sz="2800" dirty="0">
+              <a:rPr lang="en-US" sz="3200" dirty="0">
                 <a:solidFill>
                   <a:srgbClr val="262626"/>
                 </a:solidFill>
@@ -5876,7 +5912,7 @@
               <a:t>] = </a:t>
             </a:r>
             <a:r>
-              <a:rPr lang="en-US" sz="2800" dirty="0">
+              <a:rPr lang="en-US" sz="3200" dirty="0">
                 <a:solidFill>
                   <a:srgbClr val="660E7A"/>
                 </a:solidFill>
@@ -5888,7 +5924,7 @@
               <a:t>_localizer</a:t>
             </a:r>
             <a:r>
-              <a:rPr lang="en-US" sz="2800" dirty="0">
+              <a:rPr lang="en-US" sz="3200" dirty="0">
                 <a:solidFill>
                   <a:srgbClr val="262626"/>
                 </a:solidFill>
@@ -5900,7 +5936,7 @@
               <a:t>[</a:t>
             </a:r>
             <a:r>
-              <a:rPr lang="en-US" sz="2800" dirty="0">
+              <a:rPr lang="en-US" sz="3200" dirty="0">
                 <a:solidFill>
                   <a:srgbClr val="106B10"/>
                 </a:solidFill>
@@ -5912,7 +5948,7 @@
               <a:t>"Title"</a:t>
             </a:r>
             <a:r>
-              <a:rPr lang="en-US" sz="2800" dirty="0">
+              <a:rPr lang="en-US" sz="3200" dirty="0">
                 <a:solidFill>
                   <a:srgbClr val="262626"/>
                 </a:solidFill>
@@ -5924,7 +5960,7 @@
               <a:t>];</a:t>
             </a:r>
             <a:br>
-              <a:rPr lang="en-US" sz="2800" dirty="0">
+              <a:rPr lang="en-US" sz="3200" dirty="0">
                 <a:solidFill>
                   <a:srgbClr val="262626"/>
                 </a:solidFill>
@@ -5935,7 +5971,7 @@
               </a:rPr>
             </a:br>
             <a:r>
-              <a:rPr lang="en-US" sz="2800" dirty="0">
+              <a:rPr lang="en-US" sz="3200" dirty="0">
                 <a:solidFill>
                   <a:srgbClr val="262626"/>
                 </a:solidFill>
@@ -5947,7 +5983,7 @@
               <a:t>    </a:t>
             </a:r>
             <a:r>
-              <a:rPr lang="en-US" sz="2800" dirty="0">
+              <a:rPr lang="en-US" sz="3200" dirty="0">
                 <a:solidFill>
                   <a:srgbClr val="071591"/>
                 </a:solidFill>
@@ -5959,7 +5995,7 @@
               <a:t>return </a:t>
             </a:r>
             <a:r>
-              <a:rPr lang="en-US" sz="2800" dirty="0">
+              <a:rPr lang="en-US" sz="3200" dirty="0">
                 <a:solidFill>
                   <a:srgbClr val="185B9E"/>
                 </a:solidFill>
@@ -5971,7 +6007,7 @@
               <a:t>View</a:t>
             </a:r>
             <a:r>
-              <a:rPr lang="en-US" sz="2800" dirty="0">
+              <a:rPr lang="en-US" sz="3200" dirty="0">
                 <a:solidFill>
                   <a:srgbClr val="262626"/>
                 </a:solidFill>
@@ -5983,7 +6019,7 @@
               <a:t>();</a:t>
             </a:r>
             <a:br>
-              <a:rPr lang="en-US" sz="2800" dirty="0">
+              <a:rPr lang="en-US" sz="3200" dirty="0">
                 <a:solidFill>
                   <a:srgbClr val="262626"/>
                 </a:solidFill>
@@ -5994,7 +6030,7 @@
               </a:rPr>
             </a:br>
             <a:r>
-              <a:rPr lang="en-US" sz="2800" dirty="0">
+              <a:rPr lang="en-US" sz="3200" dirty="0">
                 <a:solidFill>
                   <a:srgbClr val="262626"/>
                 </a:solidFill>
@@ -6811,11 +6847,13 @@
         </p:nvSpPr>
         <p:spPr/>
         <p:txBody>
-          <a:bodyPr/>
+          <a:bodyPr>
+            <a:normAutofit/>
+          </a:bodyPr>
           <a:lstStyle/>
           <a:p>
             <a:r>
-              <a:rPr lang="en-US" dirty="0"/>
+              <a:rPr lang="en-US" sz="4000" dirty="0"/>
               <a:t>Resource File Naming Standard</a:t>
             </a:r>
           </a:p>
@@ -6837,7 +6875,12 @@
             <p:ph idx="1"/>
           </p:nvPr>
         </p:nvSpPr>
-        <p:spPr/>
+        <p:spPr>
+          <a:xfrm>
+            <a:off x="1638299" y="2057400"/>
+            <a:ext cx="10183293" cy="4137259"/>
+          </a:xfrm>
+        </p:spPr>
         <p:txBody>
           <a:bodyPr>
             <a:noAutofit/>
@@ -6845,10 +6888,13 @@
           <a:lstStyle/>
           <a:p>
             <a:pPr marL="0" indent="0">
+              <a:lnSpc>
+                <a:spcPct val="100000"/>
+              </a:lnSpc>
               <a:buNone/>
             </a:pPr>
             <a:r>
-              <a:rPr lang="en-US" sz="2800" dirty="0">
+              <a:rPr lang="en-US" sz="3200" dirty="0">
                 <a:solidFill>
                   <a:srgbClr val="0078D7"/>
                 </a:solidFill>
@@ -6856,14 +6902,14 @@
               <a:t>Resources/</a:t>
             </a:r>
             <a:r>
-              <a:rPr lang="en-US" sz="2800" dirty="0" err="1">
+              <a:rPr lang="en-US" sz="3200" dirty="0" err="1">
                 <a:solidFill>
                   <a:srgbClr val="0078D7"/>
                 </a:solidFill>
               </a:rPr>
               <a:t>Views.Home.Index.en.resx</a:t>
             </a:r>
-            <a:endParaRPr lang="en-US" sz="2800" dirty="0">
+            <a:endParaRPr lang="en-US" sz="3200" dirty="0">
               <a:solidFill>
                 <a:srgbClr val="0078D7"/>
               </a:solidFill>
@@ -6871,10 +6917,13 @@
           </a:p>
           <a:p>
             <a:pPr marL="0" indent="0">
+              <a:lnSpc>
+                <a:spcPct val="100000"/>
+              </a:lnSpc>
               <a:buNone/>
             </a:pPr>
             <a:r>
-              <a:rPr lang="en-US" sz="2800" dirty="0">
+              <a:rPr lang="en-US" sz="3200" dirty="0">
                 <a:solidFill>
                   <a:srgbClr val="0078D7"/>
                 </a:solidFill>
@@ -6882,14 +6931,14 @@
               <a:t>Resources/</a:t>
             </a:r>
             <a:r>
-              <a:rPr lang="en-US" sz="2800" dirty="0" err="1">
+              <a:rPr lang="en-US" sz="3200" dirty="0" err="1">
                 <a:solidFill>
                   <a:srgbClr val="0078D7"/>
                 </a:solidFill>
               </a:rPr>
               <a:t>Views.Home.Index.fr.resx</a:t>
             </a:r>
-            <a:endParaRPr lang="en-US" sz="2800" dirty="0">
+            <a:endParaRPr lang="en-US" sz="3200" dirty="0">
               <a:solidFill>
                 <a:srgbClr val="0078D7"/>
               </a:solidFill>
@@ -6897,10 +6946,13 @@
           </a:p>
           <a:p>
             <a:pPr marL="0" indent="0">
+              <a:lnSpc>
+                <a:spcPct val="100000"/>
+              </a:lnSpc>
               <a:buNone/>
             </a:pPr>
             <a:r>
-              <a:rPr lang="en-US" sz="2800" dirty="0">
+              <a:rPr lang="en-US" sz="3200" dirty="0">
                 <a:solidFill>
                   <a:srgbClr val="0078D7"/>
                 </a:solidFill>
@@ -6908,14 +6960,14 @@
               <a:t>Resources/</a:t>
             </a:r>
             <a:r>
-              <a:rPr lang="en-US" sz="2800" dirty="0" err="1">
+              <a:rPr lang="en-US" sz="3200" dirty="0" err="1">
                 <a:solidFill>
                   <a:srgbClr val="0078D7"/>
                 </a:solidFill>
               </a:rPr>
               <a:t>Views.Home.Index.en.resx</a:t>
             </a:r>
-            <a:endParaRPr lang="en-US" sz="2800" dirty="0">
+            <a:endParaRPr lang="en-US" sz="3200" dirty="0">
               <a:solidFill>
                 <a:srgbClr val="0078D7"/>
               </a:solidFill>
@@ -6923,16 +6975,22 @@
           </a:p>
           <a:p>
             <a:pPr marL="0" indent="0">
+              <a:lnSpc>
+                <a:spcPct val="100000"/>
+              </a:lnSpc>
               <a:buNone/>
             </a:pPr>
-            <a:endParaRPr lang="en-US" sz="2800" dirty="0"/>
+            <a:endParaRPr lang="en-US" sz="3200" dirty="0"/>
           </a:p>
           <a:p>
             <a:pPr marL="0" indent="0">
+              <a:lnSpc>
+                <a:spcPct val="100000"/>
+              </a:lnSpc>
               <a:buNone/>
             </a:pPr>
             <a:r>
-              <a:rPr lang="en-US" sz="2800" dirty="0">
+              <a:rPr lang="en-US" sz="3200" dirty="0">
                 <a:solidFill>
                   <a:srgbClr val="008272"/>
                 </a:solidFill>
@@ -6940,14 +6998,14 @@
               <a:t>Resources/Views/Home/</a:t>
             </a:r>
             <a:r>
-              <a:rPr lang="en-US" sz="2800" dirty="0" err="1">
+              <a:rPr lang="en-US" sz="3200" dirty="0" err="1">
                 <a:solidFill>
                   <a:srgbClr val="008272"/>
                 </a:solidFill>
               </a:rPr>
               <a:t>Index.en.resx</a:t>
             </a:r>
-            <a:endParaRPr lang="en-US" sz="2800" dirty="0">
+            <a:endParaRPr lang="en-US" sz="3200" dirty="0">
               <a:solidFill>
                 <a:srgbClr val="008272"/>
               </a:solidFill>
@@ -6955,10 +7013,13 @@
           </a:p>
           <a:p>
             <a:pPr marL="0" indent="0">
+              <a:lnSpc>
+                <a:spcPct val="100000"/>
+              </a:lnSpc>
               <a:buNone/>
             </a:pPr>
             <a:r>
-              <a:rPr lang="en-US" sz="2800" dirty="0">
+              <a:rPr lang="en-US" sz="3200" dirty="0">
                 <a:solidFill>
                   <a:srgbClr val="008272"/>
                 </a:solidFill>
@@ -6966,14 +7027,14 @@
               <a:t>Resources/Views/Home/</a:t>
             </a:r>
             <a:r>
-              <a:rPr lang="en-US" sz="2800" dirty="0" err="1">
+              <a:rPr lang="en-US" sz="3200" dirty="0" err="1">
                 <a:solidFill>
                   <a:srgbClr val="008272"/>
                 </a:solidFill>
               </a:rPr>
               <a:t>Index.fr.resx</a:t>
             </a:r>
-            <a:endParaRPr lang="en-US" sz="2800" dirty="0">
+            <a:endParaRPr lang="en-US" sz="3200" dirty="0">
               <a:solidFill>
                 <a:srgbClr val="008272"/>
               </a:solidFill>
@@ -6981,10 +7042,13 @@
           </a:p>
           <a:p>
             <a:pPr marL="0" indent="0">
+              <a:lnSpc>
+                <a:spcPct val="100000"/>
+              </a:lnSpc>
               <a:buNone/>
             </a:pPr>
             <a:r>
-              <a:rPr lang="en-US" sz="2800" dirty="0">
+              <a:rPr lang="en-US" sz="3200" dirty="0">
                 <a:solidFill>
                   <a:srgbClr val="008272"/>
                 </a:solidFill>
@@ -6992,14 +7056,14 @@
               <a:t>Resources/Views/Home/</a:t>
             </a:r>
             <a:r>
-              <a:rPr lang="en-US" sz="2800" dirty="0" err="1">
+              <a:rPr lang="en-US" sz="3200" dirty="0" err="1">
                 <a:solidFill>
                   <a:srgbClr val="008272"/>
                 </a:solidFill>
               </a:rPr>
               <a:t>Index.en.resx</a:t>
             </a:r>
-            <a:endParaRPr lang="en-US" sz="2800" dirty="0">
+            <a:endParaRPr lang="en-US" sz="3200" dirty="0">
               <a:solidFill>
                 <a:srgbClr val="008272"/>
               </a:solidFill>
@@ -7059,9 +7123,10 @@
           <a:lstStyle/>
           <a:p>
             <a:r>
-              <a:rPr lang="en-US" dirty="0"/>
+              <a:rPr lang="en-US" sz="4000" dirty="0"/>
               <a:t>Agenda</a:t>
             </a:r>
+            <a:endParaRPr lang="en-US" dirty="0"/>
           </a:p>
         </p:txBody>
       </p:sp>
@@ -7081,57 +7146,62 @@
             <p:ph idx="1"/>
           </p:nvPr>
         </p:nvSpPr>
-        <p:spPr/>
+        <p:spPr>
+          <a:xfrm>
+            <a:off x="1638300" y="2057400"/>
+            <a:ext cx="8915402" cy="4359802"/>
+          </a:xfrm>
+        </p:spPr>
         <p:txBody>
           <a:bodyPr>
-            <a:normAutofit/>
+            <a:normAutofit lnSpcReduction="10000"/>
           </a:bodyPr>
           <a:lstStyle/>
           <a:p>
             <a:r>
-              <a:rPr lang="en-US" dirty="0"/>
+              <a:rPr lang="en-US" sz="2400" dirty="0"/>
               <a:t>Overview</a:t>
             </a:r>
           </a:p>
           <a:p>
             <a:r>
-              <a:rPr lang="en-US" dirty="0"/>
+              <a:rPr lang="en-US" sz="2400" dirty="0"/>
               <a:t>Globalizing ASP.NET Core MVC Projects</a:t>
             </a:r>
           </a:p>
           <a:p>
             <a:r>
-              <a:rPr lang="en-US" dirty="0"/>
+              <a:rPr lang="en-US" sz="2400" dirty="0"/>
               <a:t>Resource Files</a:t>
             </a:r>
           </a:p>
           <a:p>
             <a:r>
-              <a:rPr lang="en-US" dirty="0"/>
+              <a:rPr lang="en-US" sz="2400" dirty="0"/>
               <a:t>Localizing ASP.NET Core MVC Projects</a:t>
             </a:r>
           </a:p>
           <a:p>
             <a:r>
-              <a:rPr lang="en-US" dirty="0"/>
+              <a:rPr lang="en-US" sz="2400" dirty="0"/>
               <a:t>User Selectable Culture w/ Cookies</a:t>
             </a:r>
           </a:p>
           <a:p>
             <a:r>
-              <a:rPr lang="en-US" dirty="0"/>
+              <a:rPr lang="en-US" sz="2400" dirty="0"/>
               <a:t>Data Annotations</a:t>
             </a:r>
           </a:p>
           <a:p>
             <a:r>
-              <a:rPr lang="en-US" dirty="0"/>
+              <a:rPr lang="en-US" sz="2400" dirty="0"/>
               <a:t>Custom Providers</a:t>
             </a:r>
           </a:p>
           <a:p>
             <a:r>
-              <a:rPr lang="en-US" dirty="0"/>
+              <a:rPr lang="en-US" sz="2400" dirty="0"/>
               <a:t>Custom Localizers</a:t>
             </a:r>
           </a:p>
@@ -7226,13 +7296,18 @@
           <a:p>
             <a:pPr algn="r"/>
             <a:r>
-              <a:rPr lang="en-US" sz="4400" dirty="0">
+              <a:rPr lang="en-US" sz="5400" dirty="0">
                 <a:solidFill>
                   <a:srgbClr val="FFFFFF"/>
                 </a:solidFill>
               </a:rPr>
               <a:t>Demo</a:t>
             </a:r>
+            <a:endParaRPr lang="en-US" sz="4400" dirty="0">
+              <a:solidFill>
+                <a:srgbClr val="FFFFFF"/>
+              </a:solidFill>
+            </a:endParaRPr>
           </a:p>
         </p:txBody>
       </p:sp>
@@ -7581,7 +7656,7 @@
           <a:lstStyle/>
           <a:p>
             <a:r>
-              <a:rPr lang="en-US" sz="4400">
+              <a:rPr lang="en-US" sz="5400" dirty="0">
                 <a:solidFill>
                   <a:srgbClr val="FFFFFF"/>
                 </a:solidFill>
@@ -7731,11 +7806,13 @@
         </p:nvSpPr>
         <p:spPr/>
         <p:txBody>
-          <a:bodyPr/>
+          <a:bodyPr>
+            <a:normAutofit/>
+          </a:bodyPr>
           <a:lstStyle/>
           <a:p>
             <a:r>
-              <a:rPr lang="en-US" dirty="0"/>
+              <a:rPr lang="en-US" sz="4000" dirty="0"/>
               <a:t>Resource File Naming Standard</a:t>
             </a:r>
           </a:p>
@@ -7770,10 +7847,13 @@
           <a:lstStyle/>
           <a:p>
             <a:pPr marL="0" indent="0">
+              <a:lnSpc>
+                <a:spcPct val="100000"/>
+              </a:lnSpc>
               <a:buNone/>
             </a:pPr>
             <a:r>
-              <a:rPr lang="en-US" sz="2800" dirty="0">
+              <a:rPr lang="en-US" sz="3600" dirty="0">
                 <a:solidFill>
                   <a:srgbClr val="0078D7"/>
                 </a:solidFill>
@@ -7781,14 +7861,14 @@
               <a:t>Models/</a:t>
             </a:r>
             <a:r>
-              <a:rPr lang="en-US" sz="2800" dirty="0" err="1">
+              <a:rPr lang="en-US" sz="3600" dirty="0" err="1">
                 <a:solidFill>
                   <a:srgbClr val="0078D7"/>
                 </a:solidFill>
               </a:rPr>
               <a:t>AlbumViewModel.en-US.resx</a:t>
             </a:r>
-            <a:endParaRPr lang="en-US" sz="2800" dirty="0">
+            <a:endParaRPr lang="en-US" sz="3600" dirty="0">
               <a:solidFill>
                 <a:srgbClr val="0078D7"/>
               </a:solidFill>
@@ -7796,10 +7876,13 @@
           </a:p>
           <a:p>
             <a:pPr marL="0" indent="0">
+              <a:lnSpc>
+                <a:spcPct val="100000"/>
+              </a:lnSpc>
               <a:buNone/>
             </a:pPr>
             <a:r>
-              <a:rPr lang="en-US" sz="2800" dirty="0">
+              <a:rPr lang="en-US" sz="3600" dirty="0">
                 <a:solidFill>
                   <a:srgbClr val="0078D7"/>
                 </a:solidFill>
@@ -7807,14 +7890,14 @@
               <a:t>Models/ </a:t>
             </a:r>
             <a:r>
-              <a:rPr lang="en-US" sz="2800" dirty="0" err="1">
+              <a:rPr lang="en-US" sz="3600" dirty="0" err="1">
                 <a:solidFill>
                   <a:srgbClr val="0078D7"/>
                 </a:solidFill>
               </a:rPr>
               <a:t>AlbumViewModel.en-US.resx</a:t>
             </a:r>
-            <a:endParaRPr lang="en-US" sz="2800" dirty="0">
+            <a:endParaRPr lang="en-US" sz="3600" dirty="0">
               <a:solidFill>
                 <a:srgbClr val="0078D7"/>
               </a:solidFill>
@@ -7822,10 +7905,13 @@
           </a:p>
           <a:p>
             <a:pPr marL="0" indent="0">
+              <a:lnSpc>
+                <a:spcPct val="100000"/>
+              </a:lnSpc>
               <a:buNone/>
             </a:pPr>
             <a:r>
-              <a:rPr lang="en-US" sz="2800" dirty="0">
+              <a:rPr lang="en-US" sz="3600" dirty="0">
                 <a:solidFill>
                   <a:srgbClr val="0078D7"/>
                 </a:solidFill>
@@ -7833,14 +7919,14 @@
               <a:t>Models/ </a:t>
             </a:r>
             <a:r>
-              <a:rPr lang="en-US" sz="2800" dirty="0" err="1">
+              <a:rPr lang="en-US" sz="3600" dirty="0" err="1">
                 <a:solidFill>
                   <a:srgbClr val="0078D7"/>
                 </a:solidFill>
               </a:rPr>
               <a:t>AlbumViewModel.en-US.resx</a:t>
             </a:r>
-            <a:endParaRPr lang="en-US" sz="2800" dirty="0">
+            <a:endParaRPr lang="en-US" sz="3600" dirty="0">
               <a:solidFill>
                 <a:srgbClr val="0078D7"/>
               </a:solidFill>
@@ -7937,7 +8023,7 @@
           <a:p>
             <a:pPr algn="r"/>
             <a:r>
-              <a:rPr lang="en-US" sz="4400" dirty="0">
+              <a:rPr lang="en-US" sz="5400" dirty="0">
                 <a:solidFill>
                   <a:srgbClr val="FFFFFF"/>
                 </a:solidFill>
@@ -8282,7 +8368,7 @@
         <p:spPr>
           <a:xfrm>
             <a:off x="800099" y="2613893"/>
-            <a:ext cx="6807331" cy="2552759"/>
+            <a:ext cx="8790850" cy="2552759"/>
           </a:xfrm>
         </p:spPr>
         <p:txBody>
@@ -8292,13 +8378,18 @@
           <a:lstStyle/>
           <a:p>
             <a:r>
-              <a:rPr lang="en-US" sz="4400">
+              <a:rPr lang="en-US" sz="5400">
                 <a:solidFill>
                   <a:srgbClr val="FFFFFF"/>
                 </a:solidFill>
               </a:rPr>
               <a:t>Localization: Custom Localizer</a:t>
             </a:r>
+            <a:endParaRPr lang="en-US" sz="5400" dirty="0">
+              <a:solidFill>
+                <a:srgbClr val="FFFFFF"/>
+              </a:solidFill>
+            </a:endParaRPr>
           </a:p>
         </p:txBody>
       </p:sp>
@@ -8483,13 +8574,18 @@
           <a:p>
             <a:pPr algn="r"/>
             <a:r>
-              <a:rPr lang="en-US" sz="4400" dirty="0">
+              <a:rPr lang="en-US" sz="5400" dirty="0">
                 <a:solidFill>
                   <a:srgbClr val="FFFFFF"/>
                 </a:solidFill>
               </a:rPr>
               <a:t>Demo</a:t>
             </a:r>
+            <a:endParaRPr lang="en-US" sz="4400" dirty="0">
+              <a:solidFill>
+                <a:srgbClr val="FFFFFF"/>
+              </a:solidFill>
+            </a:endParaRPr>
           </a:p>
         </p:txBody>
       </p:sp>
@@ -8796,8 +8892,8 @@
         </p:nvGrpSpPr>
         <p:grpSpPr>
           <a:xfrm>
-            <a:off x="2119580" y="399851"/>
-            <a:ext cx="2209122" cy="2209122"/>
+            <a:off x="1797055" y="186012"/>
+            <a:ext cx="2767998" cy="2680785"/>
             <a:chOff x="2016006" y="3188"/>
             <a:chExt cx="2209122" cy="2209122"/>
           </a:xfrm>
@@ -8872,8 +8968,8 @@
           </p:nvSpPr>
           <p:spPr>
             <a:xfrm>
-              <a:off x="2339524" y="326706"/>
-              <a:ext cx="1562086" cy="1562086"/>
+              <a:off x="2240182" y="252898"/>
+              <a:ext cx="1758830" cy="1707515"/>
             </a:xfrm>
             <a:prstGeom prst="rect">
               <a:avLst/>
@@ -8912,9 +9008,10 @@
                 <a:buNone/>
               </a:pPr>
               <a:r>
-                <a:rPr lang="en-US" kern="1200" dirty="0"/>
+                <a:rPr lang="en-US" sz="2800" b="1" kern="1200" dirty="0"/>
                 <a:t>Globalization</a:t>
               </a:r>
+              <a:endParaRPr lang="en-US" sz="2400" b="1" kern="1200" dirty="0"/>
             </a:p>
           </p:txBody>
         </p:sp>
@@ -9067,8 +9164,8 @@
         </p:nvGrpSpPr>
         <p:grpSpPr>
           <a:xfrm>
-            <a:off x="2119580" y="4249026"/>
-            <a:ext cx="2209122" cy="2209122"/>
+            <a:off x="1797055" y="3937231"/>
+            <a:ext cx="2854172" cy="2782611"/>
             <a:chOff x="2016006" y="3852363"/>
             <a:chExt cx="2209122" cy="2209122"/>
           </a:xfrm>
@@ -9185,7 +9282,7 @@
                 <a:buNone/>
               </a:pPr>
               <a:r>
-                <a:rPr lang="en-US" sz="2000" kern="1200" dirty="0"/>
+                <a:rPr lang="en-US" sz="2800" b="1" kern="1200" dirty="0"/>
                 <a:t>Localization</a:t>
               </a:r>
             </a:p>
@@ -9206,8 +9303,8 @@
         </p:nvGrpSpPr>
         <p:grpSpPr>
           <a:xfrm>
-            <a:off x="4660071" y="3018103"/>
-            <a:ext cx="702500" cy="821793"/>
+            <a:off x="3925696" y="3018103"/>
+            <a:ext cx="1709114" cy="821793"/>
             <a:chOff x="4556497" y="2621440"/>
             <a:chExt cx="702500" cy="821793"/>
           </a:xfrm>
@@ -9343,8 +9440,8 @@
         </p:nvGrpSpPr>
         <p:grpSpPr>
           <a:xfrm>
-            <a:off x="5654176" y="1219877"/>
-            <a:ext cx="4418244" cy="4418244"/>
+            <a:off x="5708597" y="659184"/>
+            <a:ext cx="5237238" cy="5238270"/>
             <a:chOff x="5550602" y="823214"/>
             <a:chExt cx="4418244" cy="4418244"/>
           </a:xfrm>
@@ -9459,9 +9556,10 @@
                 <a:buNone/>
               </a:pPr>
               <a:r>
-                <a:rPr lang="en-US" sz="2400" kern="1200" dirty="0"/>
+                <a:rPr lang="en-US" sz="3200" b="1" kern="1200" dirty="0"/>
                 <a:t>Internationalization</a:t>
               </a:r>
+              <a:endParaRPr lang="en-US" sz="2400" b="1" kern="1200" dirty="0"/>
             </a:p>
           </p:txBody>
         </p:sp>
@@ -9518,9 +9616,10 @@
           <a:lstStyle/>
           <a:p>
             <a:r>
-              <a:rPr lang="en-US" dirty="0"/>
+              <a:rPr lang="en-US" sz="4000" dirty="0"/>
               <a:t>Globalization</a:t>
             </a:r>
+            <a:endParaRPr lang="en-US" dirty="0"/>
           </a:p>
         </p:txBody>
       </p:sp>
@@ -9540,34 +9639,41 @@
             <p:ph idx="1"/>
           </p:nvPr>
         </p:nvSpPr>
-        <p:spPr/>
-        <p:txBody>
-          <a:bodyPr/>
+        <p:spPr>
+          <a:xfrm>
+            <a:off x="1638300" y="2057400"/>
+            <a:ext cx="10158690" cy="4137259"/>
+          </a:xfrm>
+        </p:spPr>
+        <p:txBody>
+          <a:bodyPr>
+            <a:normAutofit/>
+          </a:bodyPr>
           <a:lstStyle/>
           <a:p>
             <a:pPr marL="0" indent="0">
               <a:buNone/>
             </a:pPr>
             <a:r>
-              <a:rPr lang="en-US" dirty="0"/>
+              <a:rPr lang="en-US" sz="2400" dirty="0"/>
               <a:t>Process of designing and developing software for different cultures</a:t>
             </a:r>
           </a:p>
           <a:p>
             <a:r>
-              <a:rPr lang="en-US" dirty="0"/>
+              <a:rPr lang="en-US" sz="2400" dirty="0"/>
               <a:t>Identifying the culture/locale that must be supported</a:t>
             </a:r>
           </a:p>
           <a:p>
             <a:r>
-              <a:rPr lang="en-US" dirty="0"/>
+              <a:rPr lang="en-US" sz="2400" dirty="0"/>
               <a:t>Designing features which support those cultures/locales</a:t>
             </a:r>
           </a:p>
           <a:p>
             <a:r>
-              <a:rPr lang="en-US" dirty="0"/>
+              <a:rPr lang="en-US" sz="2400" dirty="0"/>
               <a:t>Writing code that functions equally well in any of the supported cultures/locales</a:t>
             </a:r>
           </a:p>
@@ -9621,11 +9727,13 @@
         </p:nvSpPr>
         <p:spPr/>
         <p:txBody>
-          <a:bodyPr/>
+          <a:bodyPr>
+            <a:normAutofit/>
+          </a:bodyPr>
           <a:lstStyle/>
           <a:p>
             <a:r>
-              <a:rPr lang="en-US" dirty="0"/>
+              <a:rPr lang="en-US" sz="4000" dirty="0"/>
               <a:t>Globalization</a:t>
             </a:r>
           </a:p>
@@ -9649,38 +9757,40 @@
         </p:nvSpPr>
         <p:spPr/>
         <p:txBody>
-          <a:bodyPr/>
+          <a:bodyPr>
+            <a:normAutofit/>
+          </a:bodyPr>
           <a:lstStyle/>
           <a:p>
             <a:pPr marL="0" indent="0">
               <a:buNone/>
             </a:pPr>
             <a:r>
-              <a:rPr lang="en-US" dirty="0"/>
+              <a:rPr lang="en-US" sz="2400" dirty="0"/>
               <a:t>Areas we have to look at for Globalization:</a:t>
             </a:r>
           </a:p>
           <a:p>
             <a:r>
-              <a:rPr lang="en-US" dirty="0"/>
+              <a:rPr lang="en-US" sz="2400" dirty="0"/>
               <a:t>Languages</a:t>
             </a:r>
           </a:p>
           <a:p>
             <a:r>
-              <a:rPr lang="en-US" dirty="0"/>
+              <a:rPr lang="en-US" sz="2400" dirty="0"/>
               <a:t>Currencies</a:t>
             </a:r>
           </a:p>
           <a:p>
             <a:r>
-              <a:rPr lang="en-US" dirty="0"/>
+              <a:rPr lang="en-US" sz="2400" dirty="0"/>
               <a:t>Date and time formatting</a:t>
             </a:r>
           </a:p>
           <a:p>
             <a:r>
-              <a:rPr lang="en-US" dirty="0"/>
+              <a:rPr lang="en-US" sz="2400" dirty="0"/>
               <a:t>Numeric, weight, and measure conventions</a:t>
             </a:r>
           </a:p>
@@ -9734,11 +9844,13 @@
         </p:nvSpPr>
         <p:spPr/>
         <p:txBody>
-          <a:bodyPr/>
+          <a:bodyPr>
+            <a:normAutofit/>
+          </a:bodyPr>
           <a:lstStyle/>
           <a:p>
             <a:r>
-              <a:rPr lang="en-US" dirty="0"/>
+              <a:rPr lang="en-US" sz="4000" dirty="0"/>
               <a:t>Localization</a:t>
             </a:r>
           </a:p>
@@ -9760,19 +9872,26 @@
             <p:ph idx="1"/>
           </p:nvPr>
         </p:nvSpPr>
-        <p:spPr/>
-        <p:txBody>
-          <a:bodyPr/>
+        <p:spPr>
+          <a:xfrm>
+            <a:off x="1638300" y="2057400"/>
+            <a:ext cx="9814252" cy="4137259"/>
+          </a:xfrm>
+        </p:spPr>
+        <p:txBody>
+          <a:bodyPr>
+            <a:normAutofit/>
+          </a:bodyPr>
           <a:lstStyle/>
           <a:p>
             <a:r>
-              <a:rPr lang="en-US" dirty="0"/>
+              <a:rPr lang="en-US" sz="2400" dirty="0"/>
               <a:t>Translating the application user interface (UI) or adapting graphics for a specific culture</a:t>
             </a:r>
           </a:p>
           <a:p>
             <a:r>
-              <a:rPr lang="en-US" dirty="0"/>
+              <a:rPr lang="en-US" sz="2400" dirty="0"/>
               <a:t>The localization process for assigning UI elements with localized text and resizing application UI elements to accommodate localized text</a:t>
             </a:r>
           </a:p>
@@ -10112,13 +10231,18 @@
           <a:lstStyle/>
           <a:p>
             <a:r>
-              <a:rPr lang="en-US" sz="4400" dirty="0">
+              <a:rPr lang="en-US" sz="5400" dirty="0">
                 <a:solidFill>
                   <a:srgbClr val="FFFFFF"/>
                 </a:solidFill>
               </a:rPr>
               <a:t>Globalization</a:t>
             </a:r>
+            <a:endParaRPr lang="en-US" sz="4400" dirty="0">
+              <a:solidFill>
+                <a:srgbClr val="FFFFFF"/>
+              </a:solidFill>
+            </a:endParaRPr>
           </a:p>
         </p:txBody>
       </p:sp>
@@ -10262,11 +10386,13 @@
         </p:nvSpPr>
         <p:spPr/>
         <p:txBody>
-          <a:bodyPr/>
+          <a:bodyPr>
+            <a:normAutofit/>
+          </a:bodyPr>
           <a:lstStyle/>
           <a:p>
             <a:r>
-              <a:rPr lang="en-US" dirty="0"/>
+              <a:rPr lang="en-US" sz="4000" dirty="0"/>
               <a:t>Methods to Determine Culture</a:t>
             </a:r>
           </a:p>
@@ -10288,57 +10414,88 @@
             <p:ph idx="1"/>
           </p:nvPr>
         </p:nvSpPr>
-        <p:spPr/>
-        <p:txBody>
-          <a:bodyPr/>
+        <p:spPr>
+          <a:xfrm>
+            <a:off x="1638299" y="2057400"/>
+            <a:ext cx="9687139" cy="4137259"/>
+          </a:xfrm>
+        </p:spPr>
+        <p:txBody>
+          <a:bodyPr>
+            <a:normAutofit/>
+          </a:bodyPr>
           <a:lstStyle/>
           <a:p>
             <a:pPr marL="0" indent="0">
               <a:buNone/>
             </a:pPr>
             <a:r>
-              <a:rPr lang="en-US" dirty="0"/>
+              <a:rPr lang="en-US" sz="2400" dirty="0"/>
               <a:t>URL Request String</a:t>
             </a:r>
           </a:p>
           <a:p>
             <a:r>
-              <a:rPr lang="en-US" dirty="0" err="1"/>
+              <a:rPr lang="en-US" sz="2400" dirty="0" err="1">
+                <a:latin typeface="Hack" panose="020B0609030202020204" pitchFamily="49" charset="0"/>
+                <a:ea typeface="Hack" panose="020B0609030202020204" pitchFamily="49" charset="0"/>
+                <a:cs typeface="Hack" panose="020B0609030202020204" pitchFamily="49" charset="0"/>
+              </a:rPr>
               <a:t>QueryStringRequestCultureProvider</a:t>
             </a:r>
-            <a:endParaRPr lang="en-US" dirty="0"/>
+            <a:endParaRPr lang="en-US" sz="2400" dirty="0">
+              <a:latin typeface="Hack" panose="020B0609030202020204" pitchFamily="49" charset="0"/>
+              <a:ea typeface="Hack" panose="020B0609030202020204" pitchFamily="49" charset="0"/>
+              <a:cs typeface="Hack" panose="020B0609030202020204" pitchFamily="49" charset="0"/>
+            </a:endParaRPr>
           </a:p>
           <a:p>
             <a:pPr marL="0" indent="0">
               <a:buNone/>
             </a:pPr>
             <a:r>
-              <a:rPr lang="en-US" dirty="0"/>
+              <a:rPr lang="en-US" sz="2400" dirty="0"/>
               <a:t>Cookies</a:t>
             </a:r>
           </a:p>
           <a:p>
             <a:r>
-              <a:rPr lang="en-US" dirty="0" err="1"/>
+              <a:rPr lang="en-US" sz="2400" dirty="0" err="1">
+                <a:latin typeface="Hack" panose="020B0609030202020204" pitchFamily="49" charset="0"/>
+                <a:ea typeface="Hack" panose="020B0609030202020204" pitchFamily="49" charset="0"/>
+                <a:cs typeface="Hack" panose="020B0609030202020204" pitchFamily="49" charset="0"/>
+              </a:rPr>
               <a:t>CookieRequestCultureProvider</a:t>
             </a:r>
-            <a:endParaRPr lang="en-US" dirty="0"/>
+            <a:endParaRPr lang="en-US" sz="2400" dirty="0">
+              <a:latin typeface="Hack" panose="020B0609030202020204" pitchFamily="49" charset="0"/>
+              <a:ea typeface="Hack" panose="020B0609030202020204" pitchFamily="49" charset="0"/>
+              <a:cs typeface="Hack" panose="020B0609030202020204" pitchFamily="49" charset="0"/>
+            </a:endParaRPr>
           </a:p>
           <a:p>
             <a:pPr marL="0" indent="0">
               <a:buNone/>
             </a:pPr>
             <a:r>
-              <a:rPr lang="en-US" dirty="0"/>
+              <a:rPr lang="en-US" sz="2400" dirty="0"/>
               <a:t>Accept-Language HTTP Header</a:t>
             </a:r>
           </a:p>
           <a:p>
             <a:r>
-              <a:rPr lang="en-US" dirty="0" err="1"/>
+              <a:rPr lang="en-US" sz="2400" dirty="0" err="1">
+                <a:latin typeface="Hack" panose="020B0609030202020204" pitchFamily="49" charset="0"/>
+                <a:ea typeface="Hack" panose="020B0609030202020204" pitchFamily="49" charset="0"/>
+                <a:cs typeface="Hack" panose="020B0609030202020204" pitchFamily="49" charset="0"/>
+              </a:rPr>
               <a:t>AcceptLanguageHeaderRequestCultureProvider</a:t>
             </a:r>
-            <a:endParaRPr lang="en-US" dirty="0"/>
+            <a:endParaRPr lang="en-US" sz="2400" dirty="0">
+              <a:latin typeface="Hack" panose="020B0609030202020204" pitchFamily="49" charset="0"/>
+              <a:ea typeface="Hack" panose="020B0609030202020204" pitchFamily="49" charset="0"/>
+              <a:cs typeface="Hack" panose="020B0609030202020204" pitchFamily="49" charset="0"/>
+            </a:endParaRPr>
           </a:p>
         </p:txBody>
       </p:sp>
@@ -10596,13 +10753,18 @@
           <a:p>
             <a:pPr algn="r"/>
             <a:r>
-              <a:rPr lang="en-US" sz="4400" dirty="0">
+              <a:rPr lang="en-US" sz="5400" dirty="0">
                 <a:solidFill>
                   <a:srgbClr val="FFFFFF"/>
                 </a:solidFill>
               </a:rPr>
               <a:t>Demo</a:t>
             </a:r>
+            <a:endParaRPr lang="en-US" sz="4400" dirty="0">
+              <a:solidFill>
+                <a:srgbClr val="FFFFFF"/>
+              </a:solidFill>
+            </a:endParaRPr>
           </a:p>
         </p:txBody>
       </p:sp>
